--- a/doc/Path to glory.pptx
+++ b/doc/Path to glory.pptx
@@ -109,6 +109,11 @@
       </a:defRPr>
     </a:lvl9pPr>
   </p:defaultTextStyle>
+  <p:extLst>
+    <p:ext uri="{EFAFB233-063F-42B5-8137-9DF3F51BA10A}">
+      <p15:sldGuideLst xmlns:p15="http://schemas.microsoft.com/office/powerpoint/2012/main"/>
+    </p:ext>
+  </p:extLst>
 </p:presentation>
 </file>
 
@@ -259,7 +264,7 @@
           <a:p>
             <a:fld id="{DE25D01F-424E-4CF3-9376-89A5753F487C}" type="datetimeFigureOut">
               <a:rPr lang="ru-RU" smtClean="0"/>
-              <a:t>08.01.2023</a:t>
+              <a:t>12.01.2023</a:t>
             </a:fld>
             <a:endParaRPr lang="ru-RU"/>
           </a:p>
@@ -457,7 +462,7 @@
           <a:p>
             <a:fld id="{DE25D01F-424E-4CF3-9376-89A5753F487C}" type="datetimeFigureOut">
               <a:rPr lang="ru-RU" smtClean="0"/>
-              <a:t>08.01.2023</a:t>
+              <a:t>12.01.2023</a:t>
             </a:fld>
             <a:endParaRPr lang="ru-RU"/>
           </a:p>
@@ -665,7 +670,7 @@
           <a:p>
             <a:fld id="{DE25D01F-424E-4CF3-9376-89A5753F487C}" type="datetimeFigureOut">
               <a:rPr lang="ru-RU" smtClean="0"/>
-              <a:t>08.01.2023</a:t>
+              <a:t>12.01.2023</a:t>
             </a:fld>
             <a:endParaRPr lang="ru-RU"/>
           </a:p>
@@ -863,7 +868,7 @@
           <a:p>
             <a:fld id="{DE25D01F-424E-4CF3-9376-89A5753F487C}" type="datetimeFigureOut">
               <a:rPr lang="ru-RU" smtClean="0"/>
-              <a:t>08.01.2023</a:t>
+              <a:t>12.01.2023</a:t>
             </a:fld>
             <a:endParaRPr lang="ru-RU"/>
           </a:p>
@@ -1138,7 +1143,7 @@
           <a:p>
             <a:fld id="{DE25D01F-424E-4CF3-9376-89A5753F487C}" type="datetimeFigureOut">
               <a:rPr lang="ru-RU" smtClean="0"/>
-              <a:t>08.01.2023</a:t>
+              <a:t>12.01.2023</a:t>
             </a:fld>
             <a:endParaRPr lang="ru-RU"/>
           </a:p>
@@ -1403,7 +1408,7 @@
           <a:p>
             <a:fld id="{DE25D01F-424E-4CF3-9376-89A5753F487C}" type="datetimeFigureOut">
               <a:rPr lang="ru-RU" smtClean="0"/>
-              <a:t>08.01.2023</a:t>
+              <a:t>12.01.2023</a:t>
             </a:fld>
             <a:endParaRPr lang="ru-RU"/>
           </a:p>
@@ -1815,7 +1820,7 @@
           <a:p>
             <a:fld id="{DE25D01F-424E-4CF3-9376-89A5753F487C}" type="datetimeFigureOut">
               <a:rPr lang="ru-RU" smtClean="0"/>
-              <a:t>08.01.2023</a:t>
+              <a:t>12.01.2023</a:t>
             </a:fld>
             <a:endParaRPr lang="ru-RU"/>
           </a:p>
@@ -1956,7 +1961,7 @@
           <a:p>
             <a:fld id="{DE25D01F-424E-4CF3-9376-89A5753F487C}" type="datetimeFigureOut">
               <a:rPr lang="ru-RU" smtClean="0"/>
-              <a:t>08.01.2023</a:t>
+              <a:t>12.01.2023</a:t>
             </a:fld>
             <a:endParaRPr lang="ru-RU"/>
           </a:p>
@@ -2069,7 +2074,7 @@
           <a:p>
             <a:fld id="{DE25D01F-424E-4CF3-9376-89A5753F487C}" type="datetimeFigureOut">
               <a:rPr lang="ru-RU" smtClean="0"/>
-              <a:t>08.01.2023</a:t>
+              <a:t>12.01.2023</a:t>
             </a:fld>
             <a:endParaRPr lang="ru-RU"/>
           </a:p>
@@ -2380,7 +2385,7 @@
           <a:p>
             <a:fld id="{DE25D01F-424E-4CF3-9376-89A5753F487C}" type="datetimeFigureOut">
               <a:rPr lang="ru-RU" smtClean="0"/>
-              <a:t>08.01.2023</a:t>
+              <a:t>12.01.2023</a:t>
             </a:fld>
             <a:endParaRPr lang="ru-RU"/>
           </a:p>
@@ -2668,7 +2673,7 @@
           <a:p>
             <a:fld id="{DE25D01F-424E-4CF3-9376-89A5753F487C}" type="datetimeFigureOut">
               <a:rPr lang="ru-RU" smtClean="0"/>
-              <a:t>08.01.2023</a:t>
+              <a:t>12.01.2023</a:t>
             </a:fld>
             <a:endParaRPr lang="ru-RU"/>
           </a:p>
@@ -2909,7 +2914,7 @@
           <a:p>
             <a:fld id="{DE25D01F-424E-4CF3-9376-89A5753F487C}" type="datetimeFigureOut">
               <a:rPr lang="ru-RU" smtClean="0"/>
-              <a:t>08.01.2023</a:t>
+              <a:t>12.01.2023</a:t>
             </a:fld>
             <a:endParaRPr lang="ru-RU"/>
           </a:p>
@@ -4011,6 +4016,108 @@
           </a:prstGeom>
         </p:spPr>
       </p:pic>
+      <p:pic>
+        <p:nvPicPr>
+          <p:cNvPr id="3" name="Рисунок 2">
+            <a:extLst>
+              <a:ext uri="{FF2B5EF4-FFF2-40B4-BE49-F238E27FC236}">
+                <a16:creationId xmlns:a16="http://schemas.microsoft.com/office/drawing/2014/main" id="{C12154F0-ED9E-4178-8FAD-C52E4A704486}"/>
+              </a:ext>
+            </a:extLst>
+          </p:cNvPr>
+          <p:cNvPicPr>
+            <a:picLocks noChangeAspect="1"/>
+          </p:cNvPicPr>
+          <p:nvPr/>
+        </p:nvPicPr>
+        <p:blipFill>
+          <a:blip r:embed="rId5"/>
+          <a:stretch>
+            <a:fillRect/>
+          </a:stretch>
+        </p:blipFill>
+        <p:spPr>
+          <a:xfrm>
+            <a:off x="4672126" y="3314702"/>
+            <a:ext cx="2830620" cy="190523"/>
+          </a:xfrm>
+          <a:prstGeom prst="rect">
+            <a:avLst/>
+          </a:prstGeom>
+        </p:spPr>
+      </p:pic>
+      <p:pic>
+        <p:nvPicPr>
+          <p:cNvPr id="7" name="Рисунок 6">
+            <a:extLst>
+              <a:ext uri="{FF2B5EF4-FFF2-40B4-BE49-F238E27FC236}">
+                <a16:creationId xmlns:a16="http://schemas.microsoft.com/office/drawing/2014/main" id="{362A397A-D230-4999-934C-C1F55420194E}"/>
+              </a:ext>
+            </a:extLst>
+          </p:cNvPr>
+          <p:cNvPicPr>
+            <a:picLocks noChangeAspect="1"/>
+          </p:cNvPicPr>
+          <p:nvPr/>
+        </p:nvPicPr>
+        <p:blipFill>
+          <a:blip r:embed="rId6">
+            <a:extLst>
+              <a:ext uri="{28A0092B-C50C-407E-A947-70E740481C1C}">
+                <a14:useLocalDpi xmlns:a14="http://schemas.microsoft.com/office/drawing/2010/main" val="0"/>
+              </a:ext>
+            </a:extLst>
+          </a:blip>
+          <a:stretch>
+            <a:fillRect/>
+          </a:stretch>
+        </p:blipFill>
+        <p:spPr>
+          <a:xfrm>
+            <a:off x="4252660" y="3737986"/>
+            <a:ext cx="3610479" cy="2772162"/>
+          </a:xfrm>
+          <a:prstGeom prst="rect">
+            <a:avLst/>
+          </a:prstGeom>
+        </p:spPr>
+      </p:pic>
+      <p:pic>
+        <p:nvPicPr>
+          <p:cNvPr id="11" name="Рисунок 10">
+            <a:extLst>
+              <a:ext uri="{FF2B5EF4-FFF2-40B4-BE49-F238E27FC236}">
+                <a16:creationId xmlns:a16="http://schemas.microsoft.com/office/drawing/2014/main" id="{3DF09A14-5BA3-4193-9CE6-7ECBFF3DFCAF}"/>
+              </a:ext>
+            </a:extLst>
+          </p:cNvPr>
+          <p:cNvPicPr>
+            <a:picLocks noChangeAspect="1"/>
+          </p:cNvPicPr>
+          <p:nvPr/>
+        </p:nvPicPr>
+        <p:blipFill>
+          <a:blip r:embed="rId7">
+            <a:extLst>
+              <a:ext uri="{28A0092B-C50C-407E-A947-70E740481C1C}">
+                <a14:useLocalDpi xmlns:a14="http://schemas.microsoft.com/office/drawing/2010/main" val="0"/>
+              </a:ext>
+            </a:extLst>
+          </a:blip>
+          <a:stretch>
+            <a:fillRect/>
+          </a:stretch>
+        </p:blipFill>
+        <p:spPr>
+          <a:xfrm>
+            <a:off x="8636000" y="3682194"/>
+            <a:ext cx="2745997" cy="2883746"/>
+          </a:xfrm>
+          <a:prstGeom prst="rect">
+            <a:avLst/>
+          </a:prstGeom>
+        </p:spPr>
+      </p:pic>
     </p:spTree>
     <p:extLst>
       <p:ext uri="{BB962C8B-B14F-4D97-AF65-F5344CB8AC3E}">

--- a/doc/Path to glory.pptx
+++ b/doc/Path to glory.pptx
@@ -10,7 +10,8 @@
     <p:sldId id="260" r:id="rId4"/>
     <p:sldId id="261" r:id="rId5"/>
     <p:sldId id="258" r:id="rId6"/>
-    <p:sldId id="259" r:id="rId7"/>
+    <p:sldId id="262" r:id="rId7"/>
+    <p:sldId id="259" r:id="rId8"/>
   </p:sldIdLst>
   <p:sldSz cx="12192000" cy="6858000"/>
   <p:notesSz cx="6858000" cy="9144000"/>
@@ -264,7 +265,7 @@
           <a:p>
             <a:fld id="{DE25D01F-424E-4CF3-9376-89A5753F487C}" type="datetimeFigureOut">
               <a:rPr lang="ru-RU" smtClean="0"/>
-              <a:t>12.01.2023</a:t>
+              <a:t>16.01.2023</a:t>
             </a:fld>
             <a:endParaRPr lang="ru-RU"/>
           </a:p>
@@ -462,7 +463,7 @@
           <a:p>
             <a:fld id="{DE25D01F-424E-4CF3-9376-89A5753F487C}" type="datetimeFigureOut">
               <a:rPr lang="ru-RU" smtClean="0"/>
-              <a:t>12.01.2023</a:t>
+              <a:t>16.01.2023</a:t>
             </a:fld>
             <a:endParaRPr lang="ru-RU"/>
           </a:p>
@@ -670,7 +671,7 @@
           <a:p>
             <a:fld id="{DE25D01F-424E-4CF3-9376-89A5753F487C}" type="datetimeFigureOut">
               <a:rPr lang="ru-RU" smtClean="0"/>
-              <a:t>12.01.2023</a:t>
+              <a:t>16.01.2023</a:t>
             </a:fld>
             <a:endParaRPr lang="ru-RU"/>
           </a:p>
@@ -868,7 +869,7 @@
           <a:p>
             <a:fld id="{DE25D01F-424E-4CF3-9376-89A5753F487C}" type="datetimeFigureOut">
               <a:rPr lang="ru-RU" smtClean="0"/>
-              <a:t>12.01.2023</a:t>
+              <a:t>16.01.2023</a:t>
             </a:fld>
             <a:endParaRPr lang="ru-RU"/>
           </a:p>
@@ -1143,7 +1144,7 @@
           <a:p>
             <a:fld id="{DE25D01F-424E-4CF3-9376-89A5753F487C}" type="datetimeFigureOut">
               <a:rPr lang="ru-RU" smtClean="0"/>
-              <a:t>12.01.2023</a:t>
+              <a:t>16.01.2023</a:t>
             </a:fld>
             <a:endParaRPr lang="ru-RU"/>
           </a:p>
@@ -1408,7 +1409,7 @@
           <a:p>
             <a:fld id="{DE25D01F-424E-4CF3-9376-89A5753F487C}" type="datetimeFigureOut">
               <a:rPr lang="ru-RU" smtClean="0"/>
-              <a:t>12.01.2023</a:t>
+              <a:t>16.01.2023</a:t>
             </a:fld>
             <a:endParaRPr lang="ru-RU"/>
           </a:p>
@@ -1820,7 +1821,7 @@
           <a:p>
             <a:fld id="{DE25D01F-424E-4CF3-9376-89A5753F487C}" type="datetimeFigureOut">
               <a:rPr lang="ru-RU" smtClean="0"/>
-              <a:t>12.01.2023</a:t>
+              <a:t>16.01.2023</a:t>
             </a:fld>
             <a:endParaRPr lang="ru-RU"/>
           </a:p>
@@ -1961,7 +1962,7 @@
           <a:p>
             <a:fld id="{DE25D01F-424E-4CF3-9376-89A5753F487C}" type="datetimeFigureOut">
               <a:rPr lang="ru-RU" smtClean="0"/>
-              <a:t>12.01.2023</a:t>
+              <a:t>16.01.2023</a:t>
             </a:fld>
             <a:endParaRPr lang="ru-RU"/>
           </a:p>
@@ -2074,7 +2075,7 @@
           <a:p>
             <a:fld id="{DE25D01F-424E-4CF3-9376-89A5753F487C}" type="datetimeFigureOut">
               <a:rPr lang="ru-RU" smtClean="0"/>
-              <a:t>12.01.2023</a:t>
+              <a:t>16.01.2023</a:t>
             </a:fld>
             <a:endParaRPr lang="ru-RU"/>
           </a:p>
@@ -2385,7 +2386,7 @@
           <a:p>
             <a:fld id="{DE25D01F-424E-4CF3-9376-89A5753F487C}" type="datetimeFigureOut">
               <a:rPr lang="ru-RU" smtClean="0"/>
-              <a:t>12.01.2023</a:t>
+              <a:t>16.01.2023</a:t>
             </a:fld>
             <a:endParaRPr lang="ru-RU"/>
           </a:p>
@@ -2673,7 +2674,7 @@
           <a:p>
             <a:fld id="{DE25D01F-424E-4CF3-9376-89A5753F487C}" type="datetimeFigureOut">
               <a:rPr lang="ru-RU" smtClean="0"/>
-              <a:t>12.01.2023</a:t>
+              <a:t>16.01.2023</a:t>
             </a:fld>
             <a:endParaRPr lang="ru-RU"/>
           </a:p>
@@ -2914,7 +2915,7 @@
           <a:p>
             <a:fld id="{DE25D01F-424E-4CF3-9376-89A5753F487C}" type="datetimeFigureOut">
               <a:rPr lang="ru-RU" smtClean="0"/>
-              <a:t>12.01.2023</a:t>
+              <a:t>16.01.2023</a:t>
             </a:fld>
             <a:endParaRPr lang="ru-RU"/>
           </a:p>
@@ -3508,10 +3509,10 @@
       </p:grpSpPr>
       <p:pic>
         <p:nvPicPr>
-          <p:cNvPr id="2" name="Рисунок 1">
-            <a:extLst>
-              <a:ext uri="{FF2B5EF4-FFF2-40B4-BE49-F238E27FC236}">
-                <a16:creationId xmlns:a16="http://schemas.microsoft.com/office/drawing/2014/main" id="{B8433B6C-C614-41F4-84CC-6217539B2768}"/>
+          <p:cNvPr id="3" name="Рисунок 2">
+            <a:extLst>
+              <a:ext uri="{FF2B5EF4-FFF2-40B4-BE49-F238E27FC236}">
+                <a16:creationId xmlns:a16="http://schemas.microsoft.com/office/drawing/2014/main" id="{32EBE198-CCC0-4C9B-9A38-A698FD56BBC0}"/>
               </a:ext>
             </a:extLst>
           </p:cNvPr>
@@ -3528,20 +3529,57 @@
         </p:blipFill>
         <p:spPr>
           <a:xfrm>
-            <a:off x="3904694" y="261495"/>
-            <a:ext cx="7964011" cy="6335009"/>
+            <a:off x="4932225" y="6264022"/>
+            <a:ext cx="2327547" cy="288937"/>
           </a:xfrm>
           <a:prstGeom prst="rect">
             <a:avLst/>
           </a:prstGeom>
         </p:spPr>
       </p:pic>
+      <p:sp>
+        <p:nvSpPr>
+          <p:cNvPr id="4" name="TextBox 3">
+            <a:extLst>
+              <a:ext uri="{FF2B5EF4-FFF2-40B4-BE49-F238E27FC236}">
+                <a16:creationId xmlns:a16="http://schemas.microsoft.com/office/drawing/2014/main" id="{748C0E2F-4126-4E92-B9D7-11D1420AE717}"/>
+              </a:ext>
+            </a:extLst>
+          </p:cNvPr>
+          <p:cNvSpPr txBox="1"/>
+          <p:nvPr/>
+        </p:nvSpPr>
+        <p:spPr>
+          <a:xfrm>
+            <a:off x="4502149" y="5701818"/>
+            <a:ext cx="3187700" cy="523220"/>
+          </a:xfrm>
+          <a:prstGeom prst="rect">
+            <a:avLst/>
+          </a:prstGeom>
+          <a:noFill/>
+        </p:spPr>
+        <p:txBody>
+          <a:bodyPr wrap="square" rtlCol="0">
+            <a:spAutoFit/>
+          </a:bodyPr>
+          <a:lstStyle/>
+          <a:p>
+            <a:r>
+              <a:rPr lang="ru-RU" sz="2800" dirty="0">
+                <a:latin typeface="Franklin Gothic Heavy" panose="020B0903020102020204" pitchFamily="34" charset="0"/>
+              </a:rPr>
+              <a:t>Стартовый экран</a:t>
+            </a:r>
+          </a:p>
+        </p:txBody>
+      </p:sp>
       <p:pic>
         <p:nvPicPr>
-          <p:cNvPr id="3" name="Рисунок 2">
-            <a:extLst>
-              <a:ext uri="{FF2B5EF4-FFF2-40B4-BE49-F238E27FC236}">
-                <a16:creationId xmlns:a16="http://schemas.microsoft.com/office/drawing/2014/main" id="{32EBE198-CCC0-4C9B-9A38-A698FD56BBC0}"/>
+          <p:cNvPr id="5" name="Рисунок 4">
+            <a:extLst>
+              <a:ext uri="{FF2B5EF4-FFF2-40B4-BE49-F238E27FC236}">
+                <a16:creationId xmlns:a16="http://schemas.microsoft.com/office/drawing/2014/main" id="{44768901-16E1-43F3-BE02-BDB6FBCEC3B9}"/>
               </a:ext>
             </a:extLst>
           </p:cNvPr>
@@ -3558,51 +3596,104 @@
         </p:blipFill>
         <p:spPr>
           <a:xfrm>
-            <a:off x="909540" y="3622662"/>
-            <a:ext cx="2327547" cy="288937"/>
+            <a:off x="2662752" y="305041"/>
+            <a:ext cx="6866495" cy="5409718"/>
           </a:xfrm>
           <a:prstGeom prst="rect">
             <a:avLst/>
           </a:prstGeom>
         </p:spPr>
       </p:pic>
-      <p:sp>
-        <p:nvSpPr>
-          <p:cNvPr id="4" name="TextBox 3">
-            <a:extLst>
-              <a:ext uri="{FF2B5EF4-FFF2-40B4-BE49-F238E27FC236}">
-                <a16:creationId xmlns:a16="http://schemas.microsoft.com/office/drawing/2014/main" id="{748C0E2F-4126-4E92-B9D7-11D1420AE717}"/>
-              </a:ext>
-            </a:extLst>
-          </p:cNvPr>
-          <p:cNvSpPr txBox="1"/>
+      <p:pic>
+        <p:nvPicPr>
+          <p:cNvPr id="6" name="Рисунок 5">
+            <a:extLst>
+              <a:ext uri="{FF2B5EF4-FFF2-40B4-BE49-F238E27FC236}">
+                <a16:creationId xmlns:a16="http://schemas.microsoft.com/office/drawing/2014/main" id="{E0C6CA62-F52F-4C42-98ED-F7CACB0DBF5A}"/>
+              </a:ext>
+            </a:extLst>
+          </p:cNvPr>
+          <p:cNvPicPr>
+            <a:picLocks noChangeAspect="1"/>
+          </p:cNvPicPr>
           <p:nvPr/>
-        </p:nvSpPr>
-        <p:spPr>
-          <a:xfrm>
-            <a:off x="479463" y="3009900"/>
-            <a:ext cx="3187700" cy="523220"/>
+        </p:nvPicPr>
+        <p:blipFill>
+          <a:blip r:embed="rId4"/>
+          <a:stretch>
+            <a:fillRect/>
+          </a:stretch>
+        </p:blipFill>
+        <p:spPr>
+          <a:xfrm>
+            <a:off x="217271" y="539456"/>
+            <a:ext cx="2894229" cy="178107"/>
           </a:xfrm>
           <a:prstGeom prst="rect">
             <a:avLst/>
           </a:prstGeom>
-          <a:noFill/>
-        </p:spPr>
-        <p:txBody>
-          <a:bodyPr wrap="square" rtlCol="0">
-            <a:spAutoFit/>
-          </a:bodyPr>
-          <a:lstStyle/>
-          <a:p>
-            <a:r>
-              <a:rPr lang="ru-RU" sz="2800" dirty="0">
-                <a:latin typeface="Franklin Gothic Heavy" panose="020B0903020102020204" pitchFamily="34" charset="0"/>
-              </a:rPr>
-              <a:t>Стартовый экран</a:t>
-            </a:r>
-          </a:p>
-        </p:txBody>
-      </p:sp>
+        </p:spPr>
+      </p:pic>
+      <p:pic>
+        <p:nvPicPr>
+          <p:cNvPr id="7" name="Рисунок 6">
+            <a:extLst>
+              <a:ext uri="{FF2B5EF4-FFF2-40B4-BE49-F238E27FC236}">
+                <a16:creationId xmlns:a16="http://schemas.microsoft.com/office/drawing/2014/main" id="{F716B8FA-4A20-456B-9B98-5F26DEDA1E54}"/>
+              </a:ext>
+            </a:extLst>
+          </p:cNvPr>
+          <p:cNvPicPr>
+            <a:picLocks noChangeAspect="1"/>
+          </p:cNvPicPr>
+          <p:nvPr/>
+        </p:nvPicPr>
+        <p:blipFill>
+          <a:blip r:embed="rId5"/>
+          <a:stretch>
+            <a:fillRect/>
+          </a:stretch>
+        </p:blipFill>
+        <p:spPr>
+          <a:xfrm>
+            <a:off x="3214790" y="539456"/>
+            <a:ext cx="3105583" cy="200053"/>
+          </a:xfrm>
+          <a:prstGeom prst="rect">
+            <a:avLst/>
+          </a:prstGeom>
+        </p:spPr>
+      </p:pic>
+      <p:pic>
+        <p:nvPicPr>
+          <p:cNvPr id="8" name="Рисунок 7">
+            <a:extLst>
+              <a:ext uri="{FF2B5EF4-FFF2-40B4-BE49-F238E27FC236}">
+                <a16:creationId xmlns:a16="http://schemas.microsoft.com/office/drawing/2014/main" id="{4EA63C32-89B0-4697-A80B-753D38AFE1D7}"/>
+              </a:ext>
+            </a:extLst>
+          </p:cNvPr>
+          <p:cNvPicPr>
+            <a:picLocks noChangeAspect="1"/>
+          </p:cNvPicPr>
+          <p:nvPr/>
+        </p:nvPicPr>
+        <p:blipFill>
+          <a:blip r:embed="rId6"/>
+          <a:stretch>
+            <a:fillRect/>
+          </a:stretch>
+        </p:blipFill>
+        <p:spPr>
+          <a:xfrm>
+            <a:off x="6681662" y="4375136"/>
+            <a:ext cx="1800476" cy="190527"/>
+          </a:xfrm>
+          <a:prstGeom prst="rect">
+            <a:avLst/>
+          </a:prstGeom>
+        </p:spPr>
+      </p:pic>
     </p:spTree>
     <p:extLst>
       <p:ext uri="{BB962C8B-B14F-4D97-AF65-F5344CB8AC3E}">
@@ -3633,12 +3724,49 @@
           <a:chExt cx="0" cy="0"/>
         </a:xfrm>
       </p:grpSpPr>
+      <p:sp>
+        <p:nvSpPr>
+          <p:cNvPr id="3" name="TextBox 2">
+            <a:extLst>
+              <a:ext uri="{FF2B5EF4-FFF2-40B4-BE49-F238E27FC236}">
+                <a16:creationId xmlns:a16="http://schemas.microsoft.com/office/drawing/2014/main" id="{869E4D5F-480E-4861-8109-AEA1AF2746E8}"/>
+              </a:ext>
+            </a:extLst>
+          </p:cNvPr>
+          <p:cNvSpPr txBox="1"/>
+          <p:nvPr/>
+        </p:nvSpPr>
+        <p:spPr>
+          <a:xfrm>
+            <a:off x="118857" y="2461691"/>
+            <a:ext cx="3213100" cy="461665"/>
+          </a:xfrm>
+          <a:prstGeom prst="rect">
+            <a:avLst/>
+          </a:prstGeom>
+          <a:noFill/>
+        </p:spPr>
+        <p:txBody>
+          <a:bodyPr wrap="square" rtlCol="0">
+            <a:spAutoFit/>
+          </a:bodyPr>
+          <a:lstStyle/>
+          <a:p>
+            <a:r>
+              <a:rPr lang="ru-RU" sz="2400" dirty="0">
+                <a:latin typeface="Franklin Gothic Heavy" panose="020B0903020102020204" pitchFamily="34" charset="0"/>
+              </a:rPr>
+              <a:t>Меню выбора врага</a:t>
+            </a:r>
+          </a:p>
+        </p:txBody>
+      </p:sp>
       <p:pic>
         <p:nvPicPr>
-          <p:cNvPr id="2" name="Рисунок 1">
-            <a:extLst>
-              <a:ext uri="{FF2B5EF4-FFF2-40B4-BE49-F238E27FC236}">
-                <a16:creationId xmlns:a16="http://schemas.microsoft.com/office/drawing/2014/main" id="{5DA73604-D16A-45DC-AAD3-113CF7B61F56}"/>
+          <p:cNvPr id="4" name="Рисунок 3">
+            <a:extLst>
+              <a:ext uri="{FF2B5EF4-FFF2-40B4-BE49-F238E27FC236}">
+                <a16:creationId xmlns:a16="http://schemas.microsoft.com/office/drawing/2014/main" id="{6616D126-482D-46CC-909A-F27F8C0198B3}"/>
               </a:ext>
             </a:extLst>
           </p:cNvPr>
@@ -3655,57 +3783,20 @@
         </p:blipFill>
         <p:spPr>
           <a:xfrm>
-            <a:off x="3917394" y="261495"/>
-            <a:ext cx="7964011" cy="6335009"/>
+            <a:off x="600611" y="3018682"/>
+            <a:ext cx="2249591" cy="232215"/>
           </a:xfrm>
           <a:prstGeom prst="rect">
             <a:avLst/>
           </a:prstGeom>
         </p:spPr>
       </p:pic>
-      <p:sp>
-        <p:nvSpPr>
-          <p:cNvPr id="3" name="TextBox 2">
-            <a:extLst>
-              <a:ext uri="{FF2B5EF4-FFF2-40B4-BE49-F238E27FC236}">
-                <a16:creationId xmlns:a16="http://schemas.microsoft.com/office/drawing/2014/main" id="{869E4D5F-480E-4861-8109-AEA1AF2746E8}"/>
-              </a:ext>
-            </a:extLst>
-          </p:cNvPr>
-          <p:cNvSpPr txBox="1"/>
-          <p:nvPr/>
-        </p:nvSpPr>
-        <p:spPr>
-          <a:xfrm>
-            <a:off x="457200" y="2967334"/>
-            <a:ext cx="3213100" cy="461665"/>
-          </a:xfrm>
-          <a:prstGeom prst="rect">
-            <a:avLst/>
-          </a:prstGeom>
-          <a:noFill/>
-        </p:spPr>
-        <p:txBody>
-          <a:bodyPr wrap="square" rtlCol="0">
-            <a:spAutoFit/>
-          </a:bodyPr>
-          <a:lstStyle/>
-          <a:p>
-            <a:r>
-              <a:rPr lang="ru-RU" sz="2400" dirty="0">
-                <a:latin typeface="Franklin Gothic Heavy" panose="020B0903020102020204" pitchFamily="34" charset="0"/>
-              </a:rPr>
-              <a:t>Меню выбора врага</a:t>
-            </a:r>
-          </a:p>
-        </p:txBody>
-      </p:sp>
       <p:pic>
         <p:nvPicPr>
-          <p:cNvPr id="4" name="Рисунок 3">
-            <a:extLst>
-              <a:ext uri="{FF2B5EF4-FFF2-40B4-BE49-F238E27FC236}">
-                <a16:creationId xmlns:a16="http://schemas.microsoft.com/office/drawing/2014/main" id="{6616D126-482D-46CC-909A-F27F8C0198B3}"/>
+          <p:cNvPr id="5" name="Рисунок 4">
+            <a:extLst>
+              <a:ext uri="{FF2B5EF4-FFF2-40B4-BE49-F238E27FC236}">
+                <a16:creationId xmlns:a16="http://schemas.microsoft.com/office/drawing/2014/main" id="{FC5BF660-8BCC-481D-B3BC-46BA8C860C8E}"/>
               </a:ext>
             </a:extLst>
           </p:cNvPr>
@@ -3722,8 +3813,285 @@
         </p:blipFill>
         <p:spPr>
           <a:xfrm>
-            <a:off x="912709" y="3524326"/>
-            <a:ext cx="2249591" cy="232215"/>
+            <a:off x="8855324" y="948882"/>
+            <a:ext cx="3170540" cy="2515092"/>
+          </a:xfrm>
+          <a:prstGeom prst="rect">
+            <a:avLst/>
+          </a:prstGeom>
+        </p:spPr>
+      </p:pic>
+      <p:pic>
+        <p:nvPicPr>
+          <p:cNvPr id="6" name="Рисунок 5">
+            <a:extLst>
+              <a:ext uri="{FF2B5EF4-FFF2-40B4-BE49-F238E27FC236}">
+                <a16:creationId xmlns:a16="http://schemas.microsoft.com/office/drawing/2014/main" id="{19020C91-4AC3-4F29-AF08-92CA51F10D00}"/>
+              </a:ext>
+            </a:extLst>
+          </p:cNvPr>
+          <p:cNvPicPr>
+            <a:picLocks noChangeAspect="1"/>
+          </p:cNvPicPr>
+          <p:nvPr/>
+        </p:nvPicPr>
+        <p:blipFill>
+          <a:blip r:embed="rId4"/>
+          <a:stretch>
+            <a:fillRect/>
+          </a:stretch>
+        </p:blipFill>
+        <p:spPr>
+          <a:xfrm>
+            <a:off x="3389653" y="2586781"/>
+            <a:ext cx="2205590" cy="1754386"/>
+          </a:xfrm>
+          <a:prstGeom prst="rect">
+            <a:avLst/>
+          </a:prstGeom>
+        </p:spPr>
+      </p:pic>
+      <p:pic>
+        <p:nvPicPr>
+          <p:cNvPr id="7" name="Рисунок 6">
+            <a:extLst>
+              <a:ext uri="{FF2B5EF4-FFF2-40B4-BE49-F238E27FC236}">
+                <a16:creationId xmlns:a16="http://schemas.microsoft.com/office/drawing/2014/main" id="{6460FCEB-925A-4406-B63E-D9730D52FC63}"/>
+              </a:ext>
+            </a:extLst>
+          </p:cNvPr>
+          <p:cNvPicPr>
+            <a:picLocks noChangeAspect="1"/>
+          </p:cNvPicPr>
+          <p:nvPr/>
+        </p:nvPicPr>
+        <p:blipFill>
+          <a:blip r:embed="rId5"/>
+          <a:stretch>
+            <a:fillRect/>
+          </a:stretch>
+        </p:blipFill>
+        <p:spPr>
+          <a:xfrm>
+            <a:off x="5716244" y="948882"/>
+            <a:ext cx="3107617" cy="2480118"/>
+          </a:xfrm>
+          <a:prstGeom prst="rect">
+            <a:avLst/>
+          </a:prstGeom>
+        </p:spPr>
+      </p:pic>
+      <p:pic>
+        <p:nvPicPr>
+          <p:cNvPr id="9" name="Рисунок 8">
+            <a:extLst>
+              <a:ext uri="{FF2B5EF4-FFF2-40B4-BE49-F238E27FC236}">
+                <a16:creationId xmlns:a16="http://schemas.microsoft.com/office/drawing/2014/main" id="{1FC51EC0-CFFD-4489-9804-179B73119367}"/>
+              </a:ext>
+            </a:extLst>
+          </p:cNvPr>
+          <p:cNvPicPr>
+            <a:picLocks noChangeAspect="1"/>
+          </p:cNvPicPr>
+          <p:nvPr/>
+        </p:nvPicPr>
+        <p:blipFill>
+          <a:blip r:embed="rId6"/>
+          <a:stretch>
+            <a:fillRect/>
+          </a:stretch>
+        </p:blipFill>
+        <p:spPr>
+          <a:xfrm>
+            <a:off x="5684783" y="3456758"/>
+            <a:ext cx="3170541" cy="2529524"/>
+          </a:xfrm>
+          <a:prstGeom prst="rect">
+            <a:avLst/>
+          </a:prstGeom>
+        </p:spPr>
+      </p:pic>
+      <p:pic>
+        <p:nvPicPr>
+          <p:cNvPr id="10" name="Рисунок 9">
+            <a:extLst>
+              <a:ext uri="{FF2B5EF4-FFF2-40B4-BE49-F238E27FC236}">
+                <a16:creationId xmlns:a16="http://schemas.microsoft.com/office/drawing/2014/main" id="{0A36494B-A29C-42D0-909E-03B3D9975382}"/>
+              </a:ext>
+            </a:extLst>
+          </p:cNvPr>
+          <p:cNvPicPr>
+            <a:picLocks noChangeAspect="1"/>
+          </p:cNvPicPr>
+          <p:nvPr/>
+        </p:nvPicPr>
+        <p:blipFill>
+          <a:blip r:embed="rId7"/>
+          <a:stretch>
+            <a:fillRect/>
+          </a:stretch>
+        </p:blipFill>
+        <p:spPr>
+          <a:xfrm>
+            <a:off x="8855324" y="3463974"/>
+            <a:ext cx="3170540" cy="2515092"/>
+          </a:xfrm>
+          <a:prstGeom prst="rect">
+            <a:avLst/>
+          </a:prstGeom>
+        </p:spPr>
+      </p:pic>
+      <p:pic>
+        <p:nvPicPr>
+          <p:cNvPr id="11" name="Рисунок 10">
+            <a:extLst>
+              <a:ext uri="{FF2B5EF4-FFF2-40B4-BE49-F238E27FC236}">
+                <a16:creationId xmlns:a16="http://schemas.microsoft.com/office/drawing/2014/main" id="{F7CC5395-2C82-45AC-9880-C2BBFD83E825}"/>
+              </a:ext>
+            </a:extLst>
+          </p:cNvPr>
+          <p:cNvPicPr>
+            <a:picLocks noChangeAspect="1"/>
+          </p:cNvPicPr>
+          <p:nvPr/>
+        </p:nvPicPr>
+        <p:blipFill>
+          <a:blip r:embed="rId8"/>
+          <a:stretch>
+            <a:fillRect/>
+          </a:stretch>
+        </p:blipFill>
+        <p:spPr>
+          <a:xfrm>
+            <a:off x="3477894" y="2290217"/>
+            <a:ext cx="2029108" cy="171474"/>
+          </a:xfrm>
+          <a:prstGeom prst="rect">
+            <a:avLst/>
+          </a:prstGeom>
+        </p:spPr>
+      </p:pic>
+      <p:pic>
+        <p:nvPicPr>
+          <p:cNvPr id="12" name="Рисунок 11">
+            <a:extLst>
+              <a:ext uri="{FF2B5EF4-FFF2-40B4-BE49-F238E27FC236}">
+                <a16:creationId xmlns:a16="http://schemas.microsoft.com/office/drawing/2014/main" id="{58EF4000-D86B-4416-BE3E-42BFC6D54FD8}"/>
+              </a:ext>
+            </a:extLst>
+          </p:cNvPr>
+          <p:cNvPicPr>
+            <a:picLocks noChangeAspect="1"/>
+          </p:cNvPicPr>
+          <p:nvPr/>
+        </p:nvPicPr>
+        <p:blipFill>
+          <a:blip r:embed="rId9"/>
+          <a:stretch>
+            <a:fillRect/>
+          </a:stretch>
+        </p:blipFill>
+        <p:spPr>
+          <a:xfrm>
+            <a:off x="6212629" y="606344"/>
+            <a:ext cx="2114845" cy="219106"/>
+          </a:xfrm>
+          <a:prstGeom prst="rect">
+            <a:avLst/>
+          </a:prstGeom>
+        </p:spPr>
+      </p:pic>
+      <p:pic>
+        <p:nvPicPr>
+          <p:cNvPr id="13" name="Рисунок 12">
+            <a:extLst>
+              <a:ext uri="{FF2B5EF4-FFF2-40B4-BE49-F238E27FC236}">
+                <a16:creationId xmlns:a16="http://schemas.microsoft.com/office/drawing/2014/main" id="{EA478551-110F-4CD2-94FF-F3D2999BD8D4}"/>
+              </a:ext>
+            </a:extLst>
+          </p:cNvPr>
+          <p:cNvPicPr>
+            <a:picLocks noChangeAspect="1"/>
+          </p:cNvPicPr>
+          <p:nvPr/>
+        </p:nvPicPr>
+        <p:blipFill>
+          <a:blip r:embed="rId10"/>
+          <a:stretch>
+            <a:fillRect/>
+          </a:stretch>
+        </p:blipFill>
+        <p:spPr>
+          <a:xfrm>
+            <a:off x="9283286" y="606344"/>
+            <a:ext cx="2202436" cy="195290"/>
+          </a:xfrm>
+          <a:prstGeom prst="rect">
+            <a:avLst/>
+          </a:prstGeom>
+        </p:spPr>
+      </p:pic>
+      <p:sp>
+        <p:nvSpPr>
+          <p:cNvPr id="14" name="TextBox 13">
+            <a:extLst>
+              <a:ext uri="{FF2B5EF4-FFF2-40B4-BE49-F238E27FC236}">
+                <a16:creationId xmlns:a16="http://schemas.microsoft.com/office/drawing/2014/main" id="{986B67DF-AE12-4E88-9BE7-54F3C78987EB}"/>
+              </a:ext>
+            </a:extLst>
+          </p:cNvPr>
+          <p:cNvSpPr txBox="1"/>
+          <p:nvPr/>
+        </p:nvSpPr>
+        <p:spPr>
+          <a:xfrm>
+            <a:off x="1179306" y="3456758"/>
+            <a:ext cx="1092200" cy="461665"/>
+          </a:xfrm>
+          <a:prstGeom prst="rect">
+            <a:avLst/>
+          </a:prstGeom>
+          <a:noFill/>
+        </p:spPr>
+        <p:txBody>
+          <a:bodyPr wrap="square" rtlCol="0">
+            <a:spAutoFit/>
+          </a:bodyPr>
+          <a:lstStyle/>
+          <a:p>
+            <a:r>
+              <a:rPr lang="ru-RU" sz="2400" dirty="0">
+                <a:latin typeface="Franklin Gothic Heavy" panose="020B0903020102020204" pitchFamily="34" charset="0"/>
+              </a:rPr>
+              <a:t>Враги</a:t>
+            </a:r>
+          </a:p>
+        </p:txBody>
+      </p:sp>
+      <p:pic>
+        <p:nvPicPr>
+          <p:cNvPr id="15" name="Рисунок 14">
+            <a:extLst>
+              <a:ext uri="{FF2B5EF4-FFF2-40B4-BE49-F238E27FC236}">
+                <a16:creationId xmlns:a16="http://schemas.microsoft.com/office/drawing/2014/main" id="{B3B2D2B9-431F-41CE-8FE3-401BD39AB96B}"/>
+              </a:ext>
+            </a:extLst>
+          </p:cNvPr>
+          <p:cNvPicPr>
+            <a:picLocks noChangeAspect="1"/>
+          </p:cNvPicPr>
+          <p:nvPr/>
+        </p:nvPicPr>
+        <p:blipFill>
+          <a:blip r:embed="rId11"/>
+          <a:stretch>
+            <a:fillRect/>
+          </a:stretch>
+        </p:blipFill>
+        <p:spPr>
+          <a:xfrm>
+            <a:off x="105930" y="3918423"/>
+            <a:ext cx="3238952" cy="200053"/>
           </a:xfrm>
           <a:prstGeom prst="rect">
             <a:avLst/>
@@ -3774,8 +4142,8 @@
         </p:nvSpPr>
         <p:spPr>
           <a:xfrm>
-            <a:off x="5556250" y="381000"/>
-            <a:ext cx="1257300" cy="523220"/>
+            <a:off x="5349875" y="554329"/>
+            <a:ext cx="1492250" cy="523220"/>
           </a:xfrm>
           <a:prstGeom prst="rect">
             <a:avLst/>
@@ -3792,17 +4160,17 @@
               <a:rPr lang="ru-RU" sz="2800" dirty="0">
                 <a:latin typeface="Franklin Gothic Heavy" panose="020B0903020102020204" pitchFamily="34" charset="0"/>
               </a:rPr>
-              <a:t>Враги</a:t>
+              <a:t>Боёвка</a:t>
             </a:r>
           </a:p>
         </p:txBody>
       </p:sp>
       <p:pic>
         <p:nvPicPr>
-          <p:cNvPr id="4" name="Рисунок 3">
-            <a:extLst>
-              <a:ext uri="{FF2B5EF4-FFF2-40B4-BE49-F238E27FC236}">
-                <a16:creationId xmlns:a16="http://schemas.microsoft.com/office/drawing/2014/main" id="{E914B23F-E949-4BF9-8759-8B7EF086BA13}"/>
+          <p:cNvPr id="5" name="Рисунок 4">
+            <a:extLst>
+              <a:ext uri="{FF2B5EF4-FFF2-40B4-BE49-F238E27FC236}">
+                <a16:creationId xmlns:a16="http://schemas.microsoft.com/office/drawing/2014/main" id="{55C64DAA-78A7-4293-826D-7FDD99BF79E3}"/>
               </a:ext>
             </a:extLst>
           </p:cNvPr>
@@ -3819,167 +4187,38 @@
         </p:blipFill>
         <p:spPr>
           <a:xfrm>
-            <a:off x="4613055" y="904220"/>
-            <a:ext cx="3143689" cy="181000"/>
+            <a:off x="6310926" y="1756957"/>
+            <a:ext cx="5421306" cy="4285104"/>
           </a:xfrm>
           <a:prstGeom prst="rect">
             <a:avLst/>
           </a:prstGeom>
         </p:spPr>
       </p:pic>
-      <p:cxnSp>
-        <p:nvCxnSpPr>
-          <p:cNvPr id="6" name="Прямая со стрелкой 5">
-            <a:extLst>
-              <a:ext uri="{FF2B5EF4-FFF2-40B4-BE49-F238E27FC236}">
-                <a16:creationId xmlns:a16="http://schemas.microsoft.com/office/drawing/2014/main" id="{2BF7CE35-1354-4DD2-A2B9-4127452846B7}"/>
-              </a:ext>
-            </a:extLst>
-          </p:cNvPr>
-          <p:cNvCxnSpPr>
-            <a:cxnSpLocks/>
-          </p:cNvCxnSpPr>
-          <p:nvPr/>
-        </p:nvCxnSpPr>
-        <p:spPr>
-          <a:xfrm flipH="1">
-            <a:off x="2603500" y="1308100"/>
-            <a:ext cx="2009556" cy="1701800"/>
-          </a:xfrm>
-          <a:prstGeom prst="straightConnector1">
-            <a:avLst/>
-          </a:prstGeom>
-          <a:ln>
-            <a:tailEnd type="triangle"/>
-          </a:ln>
-        </p:spPr>
-        <p:style>
-          <a:lnRef idx="3">
-            <a:schemeClr val="dk1"/>
-          </a:lnRef>
-          <a:fillRef idx="0">
-            <a:schemeClr val="dk1"/>
-          </a:fillRef>
-          <a:effectRef idx="2">
-            <a:schemeClr val="dk1"/>
-          </a:effectRef>
-          <a:fontRef idx="minor">
-            <a:schemeClr val="tx1"/>
-          </a:fontRef>
-        </p:style>
-      </p:cxnSp>
-      <p:cxnSp>
-        <p:nvCxnSpPr>
-          <p:cNvPr id="8" name="Прямая со стрелкой 7">
-            <a:extLst>
-              <a:ext uri="{FF2B5EF4-FFF2-40B4-BE49-F238E27FC236}">
-                <a16:creationId xmlns:a16="http://schemas.microsoft.com/office/drawing/2014/main" id="{59CE2BB1-5222-4B26-A044-D1F893B54937}"/>
-              </a:ext>
-            </a:extLst>
-          </p:cNvPr>
-          <p:cNvCxnSpPr>
-            <a:cxnSpLocks/>
-          </p:cNvCxnSpPr>
-          <p:nvPr/>
-        </p:nvCxnSpPr>
-        <p:spPr>
-          <a:xfrm>
-            <a:off x="6057900" y="1320800"/>
-            <a:ext cx="0" cy="1689100"/>
-          </a:xfrm>
-          <a:prstGeom prst="straightConnector1">
-            <a:avLst/>
-          </a:prstGeom>
-          <a:ln>
-            <a:tailEnd type="triangle"/>
-          </a:ln>
-        </p:spPr>
-        <p:style>
-          <a:lnRef idx="3">
-            <a:schemeClr val="dk1"/>
-          </a:lnRef>
-          <a:fillRef idx="0">
-            <a:schemeClr val="dk1"/>
-          </a:fillRef>
-          <a:effectRef idx="2">
-            <a:schemeClr val="dk1"/>
-          </a:effectRef>
-          <a:fontRef idx="minor">
-            <a:schemeClr val="tx1"/>
-          </a:fontRef>
-        </p:style>
-      </p:cxnSp>
-      <p:cxnSp>
-        <p:nvCxnSpPr>
-          <p:cNvPr id="9" name="Прямая со стрелкой 8">
-            <a:extLst>
-              <a:ext uri="{FF2B5EF4-FFF2-40B4-BE49-F238E27FC236}">
-                <a16:creationId xmlns:a16="http://schemas.microsoft.com/office/drawing/2014/main" id="{0F9EEC33-695D-40CD-B5EC-3768DD08C512}"/>
-              </a:ext>
-            </a:extLst>
-          </p:cNvPr>
-          <p:cNvCxnSpPr>
-            <a:cxnSpLocks/>
-          </p:cNvCxnSpPr>
-          <p:nvPr/>
-        </p:nvCxnSpPr>
-        <p:spPr>
-          <a:xfrm>
-            <a:off x="7502746" y="1320800"/>
-            <a:ext cx="2009554" cy="1689100"/>
-          </a:xfrm>
-          <a:prstGeom prst="straightConnector1">
-            <a:avLst/>
-          </a:prstGeom>
-          <a:ln>
-            <a:tailEnd type="triangle"/>
-          </a:ln>
-        </p:spPr>
-        <p:style>
-          <a:lnRef idx="3">
-            <a:schemeClr val="dk1"/>
-          </a:lnRef>
-          <a:fillRef idx="0">
-            <a:schemeClr val="dk1"/>
-          </a:fillRef>
-          <a:effectRef idx="2">
-            <a:schemeClr val="dk1"/>
-          </a:effectRef>
-          <a:fontRef idx="minor">
-            <a:schemeClr val="tx1"/>
-          </a:fontRef>
-        </p:style>
-      </p:cxnSp>
       <p:pic>
         <p:nvPicPr>
-          <p:cNvPr id="15" name="Рисунок 14">
-            <a:extLst>
-              <a:ext uri="{FF2B5EF4-FFF2-40B4-BE49-F238E27FC236}">
-                <a16:creationId xmlns:a16="http://schemas.microsoft.com/office/drawing/2014/main" id="{4002ADB2-4EA7-48A0-9811-1AC41D7D7EAF}"/>
+          <p:cNvPr id="10" name="Рисунок 9">
+            <a:extLst>
+              <a:ext uri="{FF2B5EF4-FFF2-40B4-BE49-F238E27FC236}">
+                <a16:creationId xmlns:a16="http://schemas.microsoft.com/office/drawing/2014/main" id="{9FD3B516-C0D5-44D6-944C-61168D486FA0}"/>
               </a:ext>
             </a:extLst>
           </p:cNvPr>
           <p:cNvPicPr>
-            <a:picLocks/>
+            <a:picLocks noChangeAspect="1"/>
           </p:cNvPicPr>
           <p:nvPr/>
         </p:nvPicPr>
         <p:blipFill>
-          <a:blip r:embed="rId3">
-            <a:extLst>
-              <a:ext uri="{28A0092B-C50C-407E-A947-70E740481C1C}">
-                <a14:useLocalDpi xmlns:a14="http://schemas.microsoft.com/office/drawing/2010/main" val="0"/>
-              </a:ext>
-            </a:extLst>
-          </a:blip>
+          <a:blip r:embed="rId3"/>
           <a:stretch>
             <a:fillRect/>
           </a:stretch>
         </p:blipFill>
         <p:spPr>
           <a:xfrm>
-            <a:off x="464588" y="3737986"/>
-            <a:ext cx="3143690" cy="2607827"/>
+            <a:off x="554178" y="1756957"/>
+            <a:ext cx="5374101" cy="4285104"/>
           </a:xfrm>
           <a:prstGeom prst="rect">
             <a:avLst/>
@@ -3988,10 +4227,10 @@
       </p:pic>
       <p:pic>
         <p:nvPicPr>
-          <p:cNvPr id="16" name="Рисунок 15">
-            <a:extLst>
-              <a:ext uri="{FF2B5EF4-FFF2-40B4-BE49-F238E27FC236}">
-                <a16:creationId xmlns:a16="http://schemas.microsoft.com/office/drawing/2014/main" id="{782D0F0F-6AC4-45F3-9DDB-5FCD3FC61C76}"/>
+          <p:cNvPr id="12" name="Рисунок 11">
+            <a:extLst>
+              <a:ext uri="{FF2B5EF4-FFF2-40B4-BE49-F238E27FC236}">
+                <a16:creationId xmlns:a16="http://schemas.microsoft.com/office/drawing/2014/main" id="{E7F91F64-A24C-42D7-835D-82233899C180}"/>
               </a:ext>
             </a:extLst>
           </p:cNvPr>
@@ -4008,8 +4247,8 @@
         </p:blipFill>
         <p:spPr>
           <a:xfrm>
-            <a:off x="720262" y="3314702"/>
-            <a:ext cx="2632725" cy="238136"/>
+            <a:off x="5443774" y="6238862"/>
+            <a:ext cx="1304452" cy="276237"/>
           </a:xfrm>
           <a:prstGeom prst="rect">
             <a:avLst/>
@@ -4018,10 +4257,10 @@
       </p:pic>
       <p:pic>
         <p:nvPicPr>
-          <p:cNvPr id="3" name="Рисунок 2">
-            <a:extLst>
-              <a:ext uri="{FF2B5EF4-FFF2-40B4-BE49-F238E27FC236}">
-                <a16:creationId xmlns:a16="http://schemas.microsoft.com/office/drawing/2014/main" id="{C12154F0-ED9E-4178-8FAD-C52E4A704486}"/>
+          <p:cNvPr id="13" name="Рисунок 12">
+            <a:extLst>
+              <a:ext uri="{FF2B5EF4-FFF2-40B4-BE49-F238E27FC236}">
+                <a16:creationId xmlns:a16="http://schemas.microsoft.com/office/drawing/2014/main" id="{5A8E53FE-E439-4CEF-8ED4-60D298E13859}"/>
               </a:ext>
             </a:extLst>
           </p:cNvPr>
@@ -4038,8 +4277,8 @@
         </p:blipFill>
         <p:spPr>
           <a:xfrm>
-            <a:off x="4672126" y="3314702"/>
-            <a:ext cx="2830620" cy="190523"/>
+            <a:off x="2521990" y="2362189"/>
+            <a:ext cx="1438476" cy="152421"/>
           </a:xfrm>
           <a:prstGeom prst="rect">
             <a:avLst/>
@@ -4048,10 +4287,10 @@
       </p:pic>
       <p:pic>
         <p:nvPicPr>
-          <p:cNvPr id="7" name="Рисунок 6">
-            <a:extLst>
-              <a:ext uri="{FF2B5EF4-FFF2-40B4-BE49-F238E27FC236}">
-                <a16:creationId xmlns:a16="http://schemas.microsoft.com/office/drawing/2014/main" id="{362A397A-D230-4999-934C-C1F55420194E}"/>
+          <p:cNvPr id="14" name="Рисунок 13">
+            <a:extLst>
+              <a:ext uri="{FF2B5EF4-FFF2-40B4-BE49-F238E27FC236}">
+                <a16:creationId xmlns:a16="http://schemas.microsoft.com/office/drawing/2014/main" id="{A40C4CF9-1DD9-4702-AA9E-A5E51FD2A6A6}"/>
               </a:ext>
             </a:extLst>
           </p:cNvPr>
@@ -4061,21 +4300,15 @@
           <p:nvPr/>
         </p:nvPicPr>
         <p:blipFill>
-          <a:blip r:embed="rId6">
-            <a:extLst>
-              <a:ext uri="{28A0092B-C50C-407E-A947-70E740481C1C}">
-                <a14:useLocalDpi xmlns:a14="http://schemas.microsoft.com/office/drawing/2010/main" val="0"/>
-              </a:ext>
-            </a:extLst>
-          </a:blip>
+          <a:blip r:embed="rId5"/>
           <a:stretch>
             <a:fillRect/>
           </a:stretch>
         </p:blipFill>
         <p:spPr>
           <a:xfrm>
-            <a:off x="4252660" y="3737986"/>
-            <a:ext cx="3610479" cy="2772162"/>
+            <a:off x="8231534" y="2362188"/>
+            <a:ext cx="1438476" cy="152421"/>
           </a:xfrm>
           <a:prstGeom prst="rect">
             <a:avLst/>
@@ -4084,10 +4317,10 @@
       </p:pic>
       <p:pic>
         <p:nvPicPr>
-          <p:cNvPr id="11" name="Рисунок 10">
-            <a:extLst>
-              <a:ext uri="{FF2B5EF4-FFF2-40B4-BE49-F238E27FC236}">
-                <a16:creationId xmlns:a16="http://schemas.microsoft.com/office/drawing/2014/main" id="{3DF09A14-5BA3-4193-9CE6-7ECBFF3DFCAF}"/>
+          <p:cNvPr id="17" name="Рисунок 16">
+            <a:extLst>
+              <a:ext uri="{FF2B5EF4-FFF2-40B4-BE49-F238E27FC236}">
+                <a16:creationId xmlns:a16="http://schemas.microsoft.com/office/drawing/2014/main" id="{6D637040-3F1E-445B-933A-CBD5AC3EB244}"/>
               </a:ext>
             </a:extLst>
           </p:cNvPr>
@@ -4097,21 +4330,165 @@
           <p:nvPr/>
         </p:nvPicPr>
         <p:blipFill>
-          <a:blip r:embed="rId7">
-            <a:extLst>
-              <a:ext uri="{28A0092B-C50C-407E-A947-70E740481C1C}">
-                <a14:useLocalDpi xmlns:a14="http://schemas.microsoft.com/office/drawing/2010/main" val="0"/>
-              </a:ext>
-            </a:extLst>
-          </a:blip>
+          <a:blip r:embed="rId6"/>
           <a:stretch>
             <a:fillRect/>
           </a:stretch>
         </p:blipFill>
         <p:spPr>
           <a:xfrm>
-            <a:off x="8636000" y="3682194"/>
-            <a:ext cx="2745997" cy="2883746"/>
+            <a:off x="7967384" y="4524697"/>
+            <a:ext cx="2108390" cy="169556"/>
+          </a:xfrm>
+          <a:prstGeom prst="rect">
+            <a:avLst/>
+          </a:prstGeom>
+        </p:spPr>
+      </p:pic>
+      <p:pic>
+        <p:nvPicPr>
+          <p:cNvPr id="18" name="Рисунок 17">
+            <a:extLst>
+              <a:ext uri="{FF2B5EF4-FFF2-40B4-BE49-F238E27FC236}">
+                <a16:creationId xmlns:a16="http://schemas.microsoft.com/office/drawing/2014/main" id="{DB6C4EFA-4630-4D8D-AFF5-8E1250E42A8E}"/>
+              </a:ext>
+            </a:extLst>
+          </p:cNvPr>
+          <p:cNvPicPr>
+            <a:picLocks noChangeAspect="1"/>
+          </p:cNvPicPr>
+          <p:nvPr/>
+        </p:nvPicPr>
+        <p:blipFill>
+          <a:blip r:embed="rId7"/>
+          <a:stretch>
+            <a:fillRect/>
+          </a:stretch>
+        </p:blipFill>
+        <p:spPr>
+          <a:xfrm>
+            <a:off x="4081887" y="3429000"/>
+            <a:ext cx="2229039" cy="156975"/>
+          </a:xfrm>
+          <a:prstGeom prst="rect">
+            <a:avLst/>
+          </a:prstGeom>
+        </p:spPr>
+      </p:pic>
+      <p:pic>
+        <p:nvPicPr>
+          <p:cNvPr id="19" name="Рисунок 18">
+            <a:extLst>
+              <a:ext uri="{FF2B5EF4-FFF2-40B4-BE49-F238E27FC236}">
+                <a16:creationId xmlns:a16="http://schemas.microsoft.com/office/drawing/2014/main" id="{D2DE93A3-13A0-4E97-B478-D1F289BCDADF}"/>
+              </a:ext>
+            </a:extLst>
+          </p:cNvPr>
+          <p:cNvPicPr>
+            <a:picLocks noChangeAspect="1"/>
+          </p:cNvPicPr>
+          <p:nvPr/>
+        </p:nvPicPr>
+        <p:blipFill>
+          <a:blip r:embed="rId7"/>
+          <a:stretch>
+            <a:fillRect/>
+          </a:stretch>
+        </p:blipFill>
+        <p:spPr>
+          <a:xfrm>
+            <a:off x="9838635" y="3441166"/>
+            <a:ext cx="2229040" cy="156975"/>
+          </a:xfrm>
+          <a:prstGeom prst="rect">
+            <a:avLst/>
+          </a:prstGeom>
+        </p:spPr>
+      </p:pic>
+      <p:pic>
+        <p:nvPicPr>
+          <p:cNvPr id="20" name="Рисунок 19">
+            <a:extLst>
+              <a:ext uri="{FF2B5EF4-FFF2-40B4-BE49-F238E27FC236}">
+                <a16:creationId xmlns:a16="http://schemas.microsoft.com/office/drawing/2014/main" id="{01D5A01F-8462-4D78-97CD-0695734B360B}"/>
+              </a:ext>
+            </a:extLst>
+          </p:cNvPr>
+          <p:cNvPicPr>
+            <a:picLocks noChangeAspect="1"/>
+          </p:cNvPicPr>
+          <p:nvPr/>
+        </p:nvPicPr>
+        <p:blipFill>
+          <a:blip r:embed="rId8"/>
+          <a:stretch>
+            <a:fillRect/>
+          </a:stretch>
+        </p:blipFill>
+        <p:spPr>
+          <a:xfrm>
+            <a:off x="5507731" y="2981972"/>
+            <a:ext cx="2668787" cy="169588"/>
+          </a:xfrm>
+          <a:prstGeom prst="rect">
+            <a:avLst/>
+          </a:prstGeom>
+        </p:spPr>
+      </p:pic>
+      <p:pic>
+        <p:nvPicPr>
+          <p:cNvPr id="21" name="Рисунок 20">
+            <a:extLst>
+              <a:ext uri="{FF2B5EF4-FFF2-40B4-BE49-F238E27FC236}">
+                <a16:creationId xmlns:a16="http://schemas.microsoft.com/office/drawing/2014/main" id="{D919124F-EC29-4689-87FC-4215895A5FC6}"/>
+              </a:ext>
+            </a:extLst>
+          </p:cNvPr>
+          <p:cNvPicPr>
+            <a:picLocks noChangeAspect="1"/>
+          </p:cNvPicPr>
+          <p:nvPr/>
+        </p:nvPicPr>
+        <p:blipFill>
+          <a:blip r:embed="rId9"/>
+          <a:stretch>
+            <a:fillRect/>
+          </a:stretch>
+        </p:blipFill>
+        <p:spPr>
+          <a:xfrm>
+            <a:off x="57649" y="3466566"/>
+            <a:ext cx="3010320" cy="171474"/>
+          </a:xfrm>
+          <a:prstGeom prst="rect">
+            <a:avLst/>
+          </a:prstGeom>
+        </p:spPr>
+      </p:pic>
+      <p:pic>
+        <p:nvPicPr>
+          <p:cNvPr id="22" name="Рисунок 21">
+            <a:extLst>
+              <a:ext uri="{FF2B5EF4-FFF2-40B4-BE49-F238E27FC236}">
+                <a16:creationId xmlns:a16="http://schemas.microsoft.com/office/drawing/2014/main" id="{3D4975DB-E19D-42A2-B9E2-FA9B45EE2883}"/>
+              </a:ext>
+            </a:extLst>
+          </p:cNvPr>
+          <p:cNvPicPr>
+            <a:picLocks noChangeAspect="1"/>
+          </p:cNvPicPr>
+          <p:nvPr/>
+        </p:nvPicPr>
+        <p:blipFill>
+          <a:blip r:embed="rId10"/>
+          <a:stretch>
+            <a:fillRect/>
+          </a:stretch>
+        </p:blipFill>
+        <p:spPr>
+          <a:xfrm>
+            <a:off x="4475888" y="1032295"/>
+            <a:ext cx="3240223" cy="287310"/>
           </a:xfrm>
           <a:prstGeom prst="rect">
             <a:avLst/>
@@ -4148,12 +4525,282 @@
           <a:chExt cx="0" cy="0"/>
         </a:xfrm>
       </p:grpSpPr>
-      <p:sp>
-        <p:nvSpPr>
-          <p:cNvPr id="2" name="TextBox 1">
-            <a:extLst>
-              <a:ext uri="{FF2B5EF4-FFF2-40B4-BE49-F238E27FC236}">
-                <a16:creationId xmlns:a16="http://schemas.microsoft.com/office/drawing/2014/main" id="{FA67FD80-6B1F-494A-9C6D-DA7138DA633E}"/>
+      <p:pic>
+        <p:nvPicPr>
+          <p:cNvPr id="2" name="Рисунок 1">
+            <a:extLst>
+              <a:ext uri="{FF2B5EF4-FFF2-40B4-BE49-F238E27FC236}">
+                <a16:creationId xmlns:a16="http://schemas.microsoft.com/office/drawing/2014/main" id="{8AF3C3E9-18C9-42DA-AF6A-48B3A5E4709D}"/>
+              </a:ext>
+            </a:extLst>
+          </p:cNvPr>
+          <p:cNvPicPr>
+            <a:picLocks noChangeAspect="1"/>
+          </p:cNvPicPr>
+          <p:nvPr/>
+        </p:nvPicPr>
+        <p:blipFill>
+          <a:blip r:embed="rId2"/>
+          <a:stretch>
+            <a:fillRect/>
+          </a:stretch>
+        </p:blipFill>
+        <p:spPr>
+          <a:xfrm>
+            <a:off x="4502555" y="301199"/>
+            <a:ext cx="3648185" cy="2905361"/>
+          </a:xfrm>
+          <a:prstGeom prst="rect">
+            <a:avLst/>
+          </a:prstGeom>
+        </p:spPr>
+      </p:pic>
+      <p:pic>
+        <p:nvPicPr>
+          <p:cNvPr id="3" name="Рисунок 2">
+            <a:extLst>
+              <a:ext uri="{FF2B5EF4-FFF2-40B4-BE49-F238E27FC236}">
+                <a16:creationId xmlns:a16="http://schemas.microsoft.com/office/drawing/2014/main" id="{0F132759-AD06-41A3-B76B-8F4E048425A6}"/>
+              </a:ext>
+            </a:extLst>
+          </p:cNvPr>
+          <p:cNvPicPr>
+            <a:picLocks noChangeAspect="1"/>
+          </p:cNvPicPr>
+          <p:nvPr/>
+        </p:nvPicPr>
+        <p:blipFill>
+          <a:blip r:embed="rId3"/>
+          <a:stretch>
+            <a:fillRect/>
+          </a:stretch>
+        </p:blipFill>
+        <p:spPr>
+          <a:xfrm>
+            <a:off x="8354553" y="318269"/>
+            <a:ext cx="3671081" cy="2905361"/>
+          </a:xfrm>
+          <a:prstGeom prst="rect">
+            <a:avLst/>
+          </a:prstGeom>
+        </p:spPr>
+      </p:pic>
+      <p:pic>
+        <p:nvPicPr>
+          <p:cNvPr id="4" name="Рисунок 3">
+            <a:extLst>
+              <a:ext uri="{FF2B5EF4-FFF2-40B4-BE49-F238E27FC236}">
+                <a16:creationId xmlns:a16="http://schemas.microsoft.com/office/drawing/2014/main" id="{3AAD2ADC-ED88-4A01-B62F-E4FCEE6423AE}"/>
+              </a:ext>
+            </a:extLst>
+          </p:cNvPr>
+          <p:cNvPicPr>
+            <a:picLocks noChangeAspect="1"/>
+          </p:cNvPicPr>
+          <p:nvPr/>
+        </p:nvPicPr>
+        <p:blipFill>
+          <a:blip r:embed="rId4"/>
+          <a:stretch>
+            <a:fillRect/>
+          </a:stretch>
+        </p:blipFill>
+        <p:spPr>
+          <a:xfrm>
+            <a:off x="8354553" y="3535480"/>
+            <a:ext cx="3657797" cy="2905361"/>
+          </a:xfrm>
+          <a:prstGeom prst="rect">
+            <a:avLst/>
+          </a:prstGeom>
+        </p:spPr>
+      </p:pic>
+      <p:pic>
+        <p:nvPicPr>
+          <p:cNvPr id="5" name="Рисунок 4">
+            <a:extLst>
+              <a:ext uri="{FF2B5EF4-FFF2-40B4-BE49-F238E27FC236}">
+                <a16:creationId xmlns:a16="http://schemas.microsoft.com/office/drawing/2014/main" id="{2990B7A8-84D7-412E-B6E4-8227556215E9}"/>
+              </a:ext>
+            </a:extLst>
+          </p:cNvPr>
+          <p:cNvPicPr>
+            <a:picLocks noChangeAspect="1"/>
+          </p:cNvPicPr>
+          <p:nvPr/>
+        </p:nvPicPr>
+        <p:blipFill>
+          <a:blip r:embed="rId5"/>
+          <a:stretch>
+            <a:fillRect/>
+          </a:stretch>
+        </p:blipFill>
+        <p:spPr>
+          <a:xfrm>
+            <a:off x="4502556" y="3518410"/>
+            <a:ext cx="3648184" cy="2887964"/>
+          </a:xfrm>
+          <a:prstGeom prst="rect">
+            <a:avLst/>
+          </a:prstGeom>
+        </p:spPr>
+      </p:pic>
+      <p:pic>
+        <p:nvPicPr>
+          <p:cNvPr id="6" name="Рисунок 5">
+            <a:extLst>
+              <a:ext uri="{FF2B5EF4-FFF2-40B4-BE49-F238E27FC236}">
+                <a16:creationId xmlns:a16="http://schemas.microsoft.com/office/drawing/2014/main" id="{13902046-924B-4A2C-B035-88E545571714}"/>
+              </a:ext>
+            </a:extLst>
+          </p:cNvPr>
+          <p:cNvPicPr>
+            <a:picLocks noChangeAspect="1"/>
+          </p:cNvPicPr>
+          <p:nvPr/>
+        </p:nvPicPr>
+        <p:blipFill>
+          <a:blip r:embed="rId6"/>
+          <a:stretch>
+            <a:fillRect/>
+          </a:stretch>
+        </p:blipFill>
+        <p:spPr>
+          <a:xfrm>
+            <a:off x="5535961" y="3230930"/>
+            <a:ext cx="1581371" cy="181000"/>
+          </a:xfrm>
+          <a:prstGeom prst="rect">
+            <a:avLst/>
+          </a:prstGeom>
+        </p:spPr>
+      </p:pic>
+      <p:pic>
+        <p:nvPicPr>
+          <p:cNvPr id="7" name="Рисунок 6">
+            <a:extLst>
+              <a:ext uri="{FF2B5EF4-FFF2-40B4-BE49-F238E27FC236}">
+                <a16:creationId xmlns:a16="http://schemas.microsoft.com/office/drawing/2014/main" id="{7E986665-3C49-4E0B-8E2B-12EE1DB841A1}"/>
+              </a:ext>
+            </a:extLst>
+          </p:cNvPr>
+          <p:cNvPicPr>
+            <a:picLocks noChangeAspect="1"/>
+          </p:cNvPicPr>
+          <p:nvPr/>
+        </p:nvPicPr>
+        <p:blipFill>
+          <a:blip r:embed="rId7"/>
+          <a:stretch>
+            <a:fillRect/>
+          </a:stretch>
+        </p:blipFill>
+        <p:spPr>
+          <a:xfrm>
+            <a:off x="9218407" y="6423444"/>
+            <a:ext cx="1943371" cy="161948"/>
+          </a:xfrm>
+          <a:prstGeom prst="rect">
+            <a:avLst/>
+          </a:prstGeom>
+        </p:spPr>
+      </p:pic>
+      <p:pic>
+        <p:nvPicPr>
+          <p:cNvPr id="8" name="Рисунок 7">
+            <a:extLst>
+              <a:ext uri="{FF2B5EF4-FFF2-40B4-BE49-F238E27FC236}">
+                <a16:creationId xmlns:a16="http://schemas.microsoft.com/office/drawing/2014/main" id="{A10D744A-B3E3-4AE7-86F3-5CD455BCE067}"/>
+              </a:ext>
+            </a:extLst>
+          </p:cNvPr>
+          <p:cNvPicPr>
+            <a:picLocks noChangeAspect="1"/>
+          </p:cNvPicPr>
+          <p:nvPr/>
+        </p:nvPicPr>
+        <p:blipFill>
+          <a:blip r:embed="rId8"/>
+          <a:stretch>
+            <a:fillRect/>
+          </a:stretch>
+        </p:blipFill>
+        <p:spPr>
+          <a:xfrm>
+            <a:off x="8902159" y="3223630"/>
+            <a:ext cx="2562583" cy="181000"/>
+          </a:xfrm>
+          <a:prstGeom prst="rect">
+            <a:avLst/>
+          </a:prstGeom>
+        </p:spPr>
+      </p:pic>
+      <p:pic>
+        <p:nvPicPr>
+          <p:cNvPr id="9" name="Рисунок 8">
+            <a:extLst>
+              <a:ext uri="{FF2B5EF4-FFF2-40B4-BE49-F238E27FC236}">
+                <a16:creationId xmlns:a16="http://schemas.microsoft.com/office/drawing/2014/main" id="{F49FA9CA-B8B7-4AC0-B960-42A161A8A294}"/>
+              </a:ext>
+            </a:extLst>
+          </p:cNvPr>
+          <p:cNvPicPr>
+            <a:picLocks noChangeAspect="1"/>
+          </p:cNvPicPr>
+          <p:nvPr/>
+        </p:nvPicPr>
+        <p:blipFill>
+          <a:blip r:embed="rId9"/>
+          <a:stretch>
+            <a:fillRect/>
+          </a:stretch>
+        </p:blipFill>
+        <p:spPr>
+          <a:xfrm>
+            <a:off x="5240644" y="6448141"/>
+            <a:ext cx="2172003" cy="181000"/>
+          </a:xfrm>
+          <a:prstGeom prst="rect">
+            <a:avLst/>
+          </a:prstGeom>
+        </p:spPr>
+      </p:pic>
+      <p:pic>
+        <p:nvPicPr>
+          <p:cNvPr id="10" name="Рисунок 9">
+            <a:extLst>
+              <a:ext uri="{FF2B5EF4-FFF2-40B4-BE49-F238E27FC236}">
+                <a16:creationId xmlns:a16="http://schemas.microsoft.com/office/drawing/2014/main" id="{FC89BF5A-ED45-4913-B345-30877AA45017}"/>
+              </a:ext>
+            </a:extLst>
+          </p:cNvPr>
+          <p:cNvPicPr>
+            <a:picLocks noChangeAspect="1"/>
+          </p:cNvPicPr>
+          <p:nvPr/>
+        </p:nvPicPr>
+        <p:blipFill>
+          <a:blip r:embed="rId10"/>
+          <a:stretch>
+            <a:fillRect/>
+          </a:stretch>
+        </p:blipFill>
+        <p:spPr>
+          <a:xfrm>
+            <a:off x="265799" y="2839935"/>
+            <a:ext cx="3962953" cy="3143689"/>
+          </a:xfrm>
+          <a:prstGeom prst="rect">
+            <a:avLst/>
+          </a:prstGeom>
+        </p:spPr>
+      </p:pic>
+      <p:sp>
+        <p:nvSpPr>
+          <p:cNvPr id="11" name="TextBox 10">
+            <a:extLst>
+              <a:ext uri="{FF2B5EF4-FFF2-40B4-BE49-F238E27FC236}">
+                <a16:creationId xmlns:a16="http://schemas.microsoft.com/office/drawing/2014/main" id="{5151EE85-1A78-423C-A669-9C2B0444963C}"/>
               </a:ext>
             </a:extLst>
           </p:cNvPr>
@@ -4162,8 +4809,8 @@
         </p:nvSpPr>
         <p:spPr>
           <a:xfrm>
-            <a:off x="4432300" y="3105834"/>
-            <a:ext cx="3327400" cy="646331"/>
+            <a:off x="423183" y="1126452"/>
+            <a:ext cx="3648183" cy="830997"/>
           </a:xfrm>
           <a:prstGeom prst="rect">
             <a:avLst/>
@@ -4176,6 +4823,74 @@
           </a:bodyPr>
           <a:lstStyle/>
           <a:p>
+            <a:pPr algn="ctr"/>
+            <a:r>
+              <a:rPr lang="ru-RU" sz="2400" dirty="0">
+                <a:latin typeface="Franklin Gothic Heavy" panose="020B0903020102020204" pitchFamily="34" charset="0"/>
+              </a:rPr>
+              <a:t>Различные результаты сражения</a:t>
+            </a:r>
+          </a:p>
+        </p:txBody>
+      </p:sp>
+    </p:spTree>
+    <p:extLst>
+      <p:ext uri="{BB962C8B-B14F-4D97-AF65-F5344CB8AC3E}">
+        <p14:creationId xmlns:p14="http://schemas.microsoft.com/office/powerpoint/2010/main" val="2246980659"/>
+      </p:ext>
+    </p:extLst>
+  </p:cSld>
+  <p:clrMapOvr>
+    <a:masterClrMapping/>
+  </p:clrMapOvr>
+</p:sld>
+</file>
+
+<file path=ppt/slides/slide7.xml><?xml version="1.0" encoding="utf-8"?>
+<p:sld xmlns:a="http://schemas.openxmlformats.org/drawingml/2006/main" xmlns:r="http://schemas.openxmlformats.org/officeDocument/2006/relationships" xmlns:p="http://schemas.openxmlformats.org/presentationml/2006/main">
+  <p:cSld>
+    <p:spTree>
+      <p:nvGrpSpPr>
+        <p:cNvPr id="1" name=""/>
+        <p:cNvGrpSpPr/>
+        <p:nvPr/>
+      </p:nvGrpSpPr>
+      <p:grpSpPr>
+        <a:xfrm>
+          <a:off x="0" y="0"/>
+          <a:ext cx="0" cy="0"/>
+          <a:chOff x="0" y="0"/>
+          <a:chExt cx="0" cy="0"/>
+        </a:xfrm>
+      </p:grpSpPr>
+      <p:sp>
+        <p:nvSpPr>
+          <p:cNvPr id="2" name="TextBox 1">
+            <a:extLst>
+              <a:ext uri="{FF2B5EF4-FFF2-40B4-BE49-F238E27FC236}">
+                <a16:creationId xmlns:a16="http://schemas.microsoft.com/office/drawing/2014/main" id="{FA67FD80-6B1F-494A-9C6D-DA7138DA633E}"/>
+              </a:ext>
+            </a:extLst>
+          </p:cNvPr>
+          <p:cNvSpPr txBox="1"/>
+          <p:nvPr/>
+        </p:nvSpPr>
+        <p:spPr>
+          <a:xfrm>
+            <a:off x="4432300" y="3105834"/>
+            <a:ext cx="3327400" cy="646331"/>
+          </a:xfrm>
+          <a:prstGeom prst="rect">
+            <a:avLst/>
+          </a:prstGeom>
+          <a:noFill/>
+        </p:spPr>
+        <p:txBody>
+          <a:bodyPr wrap="square" rtlCol="0">
+            <a:spAutoFit/>
+          </a:bodyPr>
+          <a:lstStyle/>
+          <a:p>
             <a:r>
               <a:rPr lang="en-US" sz="3600" dirty="0">
                 <a:latin typeface="Franklin Gothic Heavy" panose="020B0903020102020204" pitchFamily="34" charset="0"/>
@@ -4187,6 +4902,44 @@
                 <a:latin typeface="Franklin Gothic Heavy" panose="020B0903020102020204" pitchFamily="34" charset="0"/>
               </a:rPr>
               <a:t>Заключение)</a:t>
+            </a:r>
+          </a:p>
+        </p:txBody>
+      </p:sp>
+      <p:sp>
+        <p:nvSpPr>
+          <p:cNvPr id="3" name="TextBox 2">
+            <a:extLst>
+              <a:ext uri="{FF2B5EF4-FFF2-40B4-BE49-F238E27FC236}">
+                <a16:creationId xmlns:a16="http://schemas.microsoft.com/office/drawing/2014/main" id="{D565C0B1-4F68-4F53-BA65-57D1CEEF90E9}"/>
+              </a:ext>
+            </a:extLst>
+          </p:cNvPr>
+          <p:cNvSpPr txBox="1"/>
+          <p:nvPr/>
+        </p:nvSpPr>
+        <p:spPr>
+          <a:xfrm>
+            <a:off x="4679950" y="3752165"/>
+            <a:ext cx="2654300" cy="369332"/>
+          </a:xfrm>
+          <a:prstGeom prst="rect">
+            <a:avLst/>
+          </a:prstGeom>
+          <a:noFill/>
+        </p:spPr>
+        <p:txBody>
+          <a:bodyPr wrap="square" rtlCol="0">
+            <a:spAutoFit/>
+          </a:bodyPr>
+          <a:lstStyle/>
+          <a:p>
+            <a:pPr algn="ctr"/>
+            <a:r>
+              <a:rPr lang="ru-RU" dirty="0">
+                <a:latin typeface="Franklin Gothic Heavy" panose="020B0903020102020204" pitchFamily="34" charset="0"/>
+              </a:rPr>
+              <a:t>Спасибо за внимание</a:t>
             </a:r>
           </a:p>
         </p:txBody>

--- a/doc/Path to glory.pptx
+++ b/doc/Path to glory.pptx
@@ -265,7 +265,7 @@
           <a:p>
             <a:fld id="{DE25D01F-424E-4CF3-9376-89A5753F487C}" type="datetimeFigureOut">
               <a:rPr lang="ru-RU" smtClean="0"/>
-              <a:t>16.01.2023</a:t>
+              <a:t>19.01.2023</a:t>
             </a:fld>
             <a:endParaRPr lang="ru-RU"/>
           </a:p>
@@ -463,7 +463,7 @@
           <a:p>
             <a:fld id="{DE25D01F-424E-4CF3-9376-89A5753F487C}" type="datetimeFigureOut">
               <a:rPr lang="ru-RU" smtClean="0"/>
-              <a:t>16.01.2023</a:t>
+              <a:t>19.01.2023</a:t>
             </a:fld>
             <a:endParaRPr lang="ru-RU"/>
           </a:p>
@@ -671,7 +671,7 @@
           <a:p>
             <a:fld id="{DE25D01F-424E-4CF3-9376-89A5753F487C}" type="datetimeFigureOut">
               <a:rPr lang="ru-RU" smtClean="0"/>
-              <a:t>16.01.2023</a:t>
+              <a:t>19.01.2023</a:t>
             </a:fld>
             <a:endParaRPr lang="ru-RU"/>
           </a:p>
@@ -869,7 +869,7 @@
           <a:p>
             <a:fld id="{DE25D01F-424E-4CF3-9376-89A5753F487C}" type="datetimeFigureOut">
               <a:rPr lang="ru-RU" smtClean="0"/>
-              <a:t>16.01.2023</a:t>
+              <a:t>19.01.2023</a:t>
             </a:fld>
             <a:endParaRPr lang="ru-RU"/>
           </a:p>
@@ -1144,7 +1144,7 @@
           <a:p>
             <a:fld id="{DE25D01F-424E-4CF3-9376-89A5753F487C}" type="datetimeFigureOut">
               <a:rPr lang="ru-RU" smtClean="0"/>
-              <a:t>16.01.2023</a:t>
+              <a:t>19.01.2023</a:t>
             </a:fld>
             <a:endParaRPr lang="ru-RU"/>
           </a:p>
@@ -1409,7 +1409,7 @@
           <a:p>
             <a:fld id="{DE25D01F-424E-4CF3-9376-89A5753F487C}" type="datetimeFigureOut">
               <a:rPr lang="ru-RU" smtClean="0"/>
-              <a:t>16.01.2023</a:t>
+              <a:t>19.01.2023</a:t>
             </a:fld>
             <a:endParaRPr lang="ru-RU"/>
           </a:p>
@@ -1821,7 +1821,7 @@
           <a:p>
             <a:fld id="{DE25D01F-424E-4CF3-9376-89A5753F487C}" type="datetimeFigureOut">
               <a:rPr lang="ru-RU" smtClean="0"/>
-              <a:t>16.01.2023</a:t>
+              <a:t>19.01.2023</a:t>
             </a:fld>
             <a:endParaRPr lang="ru-RU"/>
           </a:p>
@@ -1962,7 +1962,7 @@
           <a:p>
             <a:fld id="{DE25D01F-424E-4CF3-9376-89A5753F487C}" type="datetimeFigureOut">
               <a:rPr lang="ru-RU" smtClean="0"/>
-              <a:t>16.01.2023</a:t>
+              <a:t>19.01.2023</a:t>
             </a:fld>
             <a:endParaRPr lang="ru-RU"/>
           </a:p>
@@ -2075,7 +2075,7 @@
           <a:p>
             <a:fld id="{DE25D01F-424E-4CF3-9376-89A5753F487C}" type="datetimeFigureOut">
               <a:rPr lang="ru-RU" smtClean="0"/>
-              <a:t>16.01.2023</a:t>
+              <a:t>19.01.2023</a:t>
             </a:fld>
             <a:endParaRPr lang="ru-RU"/>
           </a:p>
@@ -2386,7 +2386,7 @@
           <a:p>
             <a:fld id="{DE25D01F-424E-4CF3-9376-89A5753F487C}" type="datetimeFigureOut">
               <a:rPr lang="ru-RU" smtClean="0"/>
-              <a:t>16.01.2023</a:t>
+              <a:t>19.01.2023</a:t>
             </a:fld>
             <a:endParaRPr lang="ru-RU"/>
           </a:p>
@@ -2674,7 +2674,7 @@
           <a:p>
             <a:fld id="{DE25D01F-424E-4CF3-9376-89A5753F487C}" type="datetimeFigureOut">
               <a:rPr lang="ru-RU" smtClean="0"/>
-              <a:t>16.01.2023</a:t>
+              <a:t>19.01.2023</a:t>
             </a:fld>
             <a:endParaRPr lang="ru-RU"/>
           </a:p>
@@ -2915,7 +2915,7 @@
           <a:p>
             <a:fld id="{DE25D01F-424E-4CF3-9376-89A5753F487C}" type="datetimeFigureOut">
               <a:rPr lang="ru-RU" smtClean="0"/>
-              <a:t>16.01.2023</a:t>
+              <a:t>19.01.2023</a:t>
             </a:fld>
             <a:endParaRPr lang="ru-RU"/>
           </a:p>
@@ -3529,7 +3529,7 @@
         </p:blipFill>
         <p:spPr>
           <a:xfrm>
-            <a:off x="4932225" y="6264022"/>
+            <a:off x="4932224" y="6119706"/>
             <a:ext cx="2327547" cy="288937"/>
           </a:xfrm>
           <a:prstGeom prst="rect">
@@ -3551,7 +3551,7 @@
         </p:nvSpPr>
         <p:spPr>
           <a:xfrm>
-            <a:off x="4502149" y="5701818"/>
+            <a:off x="4502148" y="5557502"/>
             <a:ext cx="3187700" cy="523220"/>
           </a:xfrm>
           <a:prstGeom prst="rect">
@@ -3596,8 +3596,8 @@
         </p:blipFill>
         <p:spPr>
           <a:xfrm>
-            <a:off x="2662752" y="305041"/>
-            <a:ext cx="6866495" cy="5409718"/>
+            <a:off x="309235" y="792188"/>
+            <a:ext cx="5786763" cy="4559059"/>
           </a:xfrm>
           <a:prstGeom prst="rect">
             <a:avLst/>
@@ -3606,10 +3606,10 @@
       </p:pic>
       <p:pic>
         <p:nvPicPr>
-          <p:cNvPr id="6" name="Рисунок 5">
-            <a:extLst>
-              <a:ext uri="{FF2B5EF4-FFF2-40B4-BE49-F238E27FC236}">
-                <a16:creationId xmlns:a16="http://schemas.microsoft.com/office/drawing/2014/main" id="{E0C6CA62-F52F-4C42-98ED-F7CACB0DBF5A}"/>
+          <p:cNvPr id="2" name="Рисунок 1">
+            <a:extLst>
+              <a:ext uri="{FF2B5EF4-FFF2-40B4-BE49-F238E27FC236}">
+                <a16:creationId xmlns:a16="http://schemas.microsoft.com/office/drawing/2014/main" id="{76659C7D-9A66-47B0-973E-A0FC32FFC776}"/>
               </a:ext>
             </a:extLst>
           </p:cNvPr>
@@ -3626,8 +3626,8 @@
         </p:blipFill>
         <p:spPr>
           <a:xfrm>
-            <a:off x="217271" y="539456"/>
-            <a:ext cx="2894229" cy="178107"/>
+            <a:off x="6095998" y="777278"/>
+            <a:ext cx="5786764" cy="4573969"/>
           </a:xfrm>
           <a:prstGeom prst="rect">
             <a:avLst/>
@@ -3636,10 +3636,10 @@
       </p:pic>
       <p:pic>
         <p:nvPicPr>
-          <p:cNvPr id="7" name="Рисунок 6">
-            <a:extLst>
-              <a:ext uri="{FF2B5EF4-FFF2-40B4-BE49-F238E27FC236}">
-                <a16:creationId xmlns:a16="http://schemas.microsoft.com/office/drawing/2014/main" id="{F716B8FA-4A20-456B-9B98-5F26DEDA1E54}"/>
+          <p:cNvPr id="8" name="Рисунок 7">
+            <a:extLst>
+              <a:ext uri="{FF2B5EF4-FFF2-40B4-BE49-F238E27FC236}">
+                <a16:creationId xmlns:a16="http://schemas.microsoft.com/office/drawing/2014/main" id="{4EA63C32-89B0-4697-A80B-753D38AFE1D7}"/>
               </a:ext>
             </a:extLst>
           </p:cNvPr>
@@ -3656,8 +3656,8 @@
         </p:blipFill>
         <p:spPr>
           <a:xfrm>
-            <a:off x="3214790" y="539456"/>
-            <a:ext cx="3105583" cy="200053"/>
+            <a:off x="3714087" y="4210036"/>
+            <a:ext cx="1800476" cy="190527"/>
           </a:xfrm>
           <a:prstGeom prst="rect">
             <a:avLst/>
@@ -3666,10 +3666,10 @@
       </p:pic>
       <p:pic>
         <p:nvPicPr>
-          <p:cNvPr id="8" name="Рисунок 7">
-            <a:extLst>
-              <a:ext uri="{FF2B5EF4-FFF2-40B4-BE49-F238E27FC236}">
-                <a16:creationId xmlns:a16="http://schemas.microsoft.com/office/drawing/2014/main" id="{4EA63C32-89B0-4697-A80B-753D38AFE1D7}"/>
+          <p:cNvPr id="6" name="Рисунок 5">
+            <a:extLst>
+              <a:ext uri="{FF2B5EF4-FFF2-40B4-BE49-F238E27FC236}">
+                <a16:creationId xmlns:a16="http://schemas.microsoft.com/office/drawing/2014/main" id="{E0C6CA62-F52F-4C42-98ED-F7CACB0DBF5A}"/>
               </a:ext>
             </a:extLst>
           </p:cNvPr>
@@ -3686,8 +3686,38 @@
         </p:blipFill>
         <p:spPr>
           <a:xfrm>
-            <a:off x="6681662" y="4375136"/>
-            <a:ext cx="1800476" cy="190527"/>
+            <a:off x="47163" y="964180"/>
+            <a:ext cx="2894229" cy="178107"/>
+          </a:xfrm>
+          <a:prstGeom prst="rect">
+            <a:avLst/>
+          </a:prstGeom>
+        </p:spPr>
+      </p:pic>
+      <p:pic>
+        <p:nvPicPr>
+          <p:cNvPr id="7" name="Рисунок 6">
+            <a:extLst>
+              <a:ext uri="{FF2B5EF4-FFF2-40B4-BE49-F238E27FC236}">
+                <a16:creationId xmlns:a16="http://schemas.microsoft.com/office/drawing/2014/main" id="{F716B8FA-4A20-456B-9B98-5F26DEDA1E54}"/>
+              </a:ext>
+            </a:extLst>
+          </p:cNvPr>
+          <p:cNvPicPr>
+            <a:picLocks noChangeAspect="1"/>
+          </p:cNvPicPr>
+          <p:nvPr/>
+        </p:nvPicPr>
+        <p:blipFill>
+          <a:blip r:embed="rId7"/>
+          <a:stretch>
+            <a:fillRect/>
+          </a:stretch>
+        </p:blipFill>
+        <p:spPr>
+          <a:xfrm>
+            <a:off x="762833" y="1381429"/>
+            <a:ext cx="3105583" cy="200053"/>
           </a:xfrm>
           <a:prstGeom prst="rect">
             <a:avLst/>

--- a/doc/Path to glory.pptx
+++ b/doc/Path to glory.pptx
@@ -10,8 +10,9 @@
     <p:sldId id="260" r:id="rId4"/>
     <p:sldId id="261" r:id="rId5"/>
     <p:sldId id="258" r:id="rId6"/>
-    <p:sldId id="262" r:id="rId7"/>
-    <p:sldId id="259" r:id="rId8"/>
+    <p:sldId id="263" r:id="rId7"/>
+    <p:sldId id="262" r:id="rId8"/>
+    <p:sldId id="259" r:id="rId9"/>
   </p:sldIdLst>
   <p:sldSz cx="12192000" cy="6858000"/>
   <p:notesSz cx="6858000" cy="9144000"/>
@@ -4560,6 +4561,270 @@
           <p:cNvPr id="2" name="Рисунок 1">
             <a:extLst>
               <a:ext uri="{FF2B5EF4-FFF2-40B4-BE49-F238E27FC236}">
+                <a16:creationId xmlns:a16="http://schemas.microsoft.com/office/drawing/2014/main" id="{CE9C46E4-C943-4FAD-8907-9BBB6060D3BC}"/>
+              </a:ext>
+            </a:extLst>
+          </p:cNvPr>
+          <p:cNvPicPr>
+            <a:picLocks noChangeAspect="1"/>
+          </p:cNvPicPr>
+          <p:nvPr/>
+        </p:nvPicPr>
+        <p:blipFill>
+          <a:blip r:embed="rId2"/>
+          <a:stretch>
+            <a:fillRect/>
+          </a:stretch>
+        </p:blipFill>
+        <p:spPr>
+          <a:xfrm>
+            <a:off x="217048" y="179933"/>
+            <a:ext cx="5599552" cy="5565666"/>
+          </a:xfrm>
+          <a:prstGeom prst="rect">
+            <a:avLst/>
+          </a:prstGeom>
+        </p:spPr>
+      </p:pic>
+      <p:sp>
+        <p:nvSpPr>
+          <p:cNvPr id="3" name="TextBox 2">
+            <a:extLst>
+              <a:ext uri="{FF2B5EF4-FFF2-40B4-BE49-F238E27FC236}">
+                <a16:creationId xmlns:a16="http://schemas.microsoft.com/office/drawing/2014/main" id="{22651B34-156D-4CE0-8123-EC0589275975}"/>
+              </a:ext>
+            </a:extLst>
+          </p:cNvPr>
+          <p:cNvSpPr txBox="1"/>
+          <p:nvPr/>
+        </p:nvSpPr>
+        <p:spPr>
+          <a:xfrm>
+            <a:off x="217048" y="5754737"/>
+            <a:ext cx="5599552" cy="923330"/>
+          </a:xfrm>
+          <a:prstGeom prst="rect">
+            <a:avLst/>
+          </a:prstGeom>
+          <a:noFill/>
+        </p:spPr>
+        <p:txBody>
+          <a:bodyPr wrap="square" rtlCol="0">
+            <a:spAutoFit/>
+          </a:bodyPr>
+          <a:lstStyle/>
+          <a:p>
+            <a:pPr algn="ctr"/>
+            <a:r>
+              <a:rPr lang="ru-RU" dirty="0">
+                <a:latin typeface="Franklin Gothic Heavy" panose="020B0903020102020204" pitchFamily="34" charset="0"/>
+              </a:rPr>
+              <a:t>Кадр</a:t>
+            </a:r>
+            <a:r>
+              <a:rPr lang="en-US" dirty="0">
+                <a:latin typeface="Franklin Gothic Heavy" panose="020B0903020102020204" pitchFamily="34" charset="0"/>
+              </a:rPr>
+              <a:t>;</a:t>
+            </a:r>
+            <a:r>
+              <a:rPr lang="ru-RU" dirty="0">
+                <a:latin typeface="Franklin Gothic Heavy" panose="020B0903020102020204" pitchFamily="34" charset="0"/>
+              </a:rPr>
+              <a:t>картинка</a:t>
+            </a:r>
+            <a:r>
+              <a:rPr lang="en-US" dirty="0">
+                <a:latin typeface="Franklin Gothic Heavy" panose="020B0903020102020204" pitchFamily="34" charset="0"/>
+              </a:rPr>
+              <a:t>;</a:t>
+            </a:r>
+            <a:r>
+              <a:rPr lang="ru-RU" dirty="0">
+                <a:latin typeface="Franklin Gothic Heavy" panose="020B0903020102020204" pitchFamily="34" charset="0"/>
+              </a:rPr>
+              <a:t>координата по </a:t>
+            </a:r>
+            <a:r>
+              <a:rPr lang="en-US" dirty="0">
+                <a:latin typeface="Franklin Gothic Heavy" panose="020B0903020102020204" pitchFamily="34" charset="0"/>
+              </a:rPr>
+              <a:t>x;</a:t>
+            </a:r>
+            <a:r>
+              <a:rPr lang="ru-RU" dirty="0">
+                <a:latin typeface="Franklin Gothic Heavy" panose="020B0903020102020204" pitchFamily="34" charset="0"/>
+              </a:rPr>
+              <a:t>координата по </a:t>
+            </a:r>
+            <a:r>
+              <a:rPr lang="en-US" dirty="0">
+                <a:latin typeface="Franklin Gothic Heavy" panose="020B0903020102020204" pitchFamily="34" charset="0"/>
+              </a:rPr>
+              <a:t>y; </a:t>
+            </a:r>
+            <a:r>
+              <a:rPr lang="ru-RU" dirty="0">
+                <a:latin typeface="Franklin Gothic Heavy" panose="020B0903020102020204" pitchFamily="34" charset="0"/>
+              </a:rPr>
+              <a:t>скорость по </a:t>
+            </a:r>
+            <a:r>
+              <a:rPr lang="en-US" dirty="0">
+                <a:latin typeface="Franklin Gothic Heavy" panose="020B0903020102020204" pitchFamily="34" charset="0"/>
+              </a:rPr>
+              <a:t>x;</a:t>
+            </a:r>
+            <a:r>
+              <a:rPr lang="ru-RU" dirty="0">
+                <a:latin typeface="Franklin Gothic Heavy" panose="020B0903020102020204" pitchFamily="34" charset="0"/>
+              </a:rPr>
+              <a:t>скорость по </a:t>
+            </a:r>
+            <a:r>
+              <a:rPr lang="en-US" dirty="0">
+                <a:latin typeface="Franklin Gothic Heavy" panose="020B0903020102020204" pitchFamily="34" charset="0"/>
+              </a:rPr>
+              <a:t>y; </a:t>
+            </a:r>
+            <a:r>
+              <a:rPr lang="ru-RU" dirty="0">
+                <a:latin typeface="Franklin Gothic Heavy" panose="020B0903020102020204" pitchFamily="34" charset="0"/>
+              </a:rPr>
+              <a:t>ускорение по </a:t>
+            </a:r>
+            <a:r>
+              <a:rPr lang="en-US" dirty="0">
+                <a:latin typeface="Franklin Gothic Heavy" panose="020B0903020102020204" pitchFamily="34" charset="0"/>
+              </a:rPr>
+              <a:t>x; </a:t>
+            </a:r>
+            <a:r>
+              <a:rPr lang="ru-RU" dirty="0">
+                <a:latin typeface="Franklin Gothic Heavy" panose="020B0903020102020204" pitchFamily="34" charset="0"/>
+              </a:rPr>
+              <a:t>ускорение по </a:t>
+            </a:r>
+            <a:r>
+              <a:rPr lang="en-US" dirty="0">
+                <a:latin typeface="Franklin Gothic Heavy" panose="020B0903020102020204" pitchFamily="34" charset="0"/>
+              </a:rPr>
+              <a:t>y</a:t>
+            </a:r>
+            <a:endParaRPr lang="ru-RU" dirty="0">
+              <a:latin typeface="Franklin Gothic Heavy" panose="020B0903020102020204" pitchFamily="34" charset="0"/>
+            </a:endParaRPr>
+          </a:p>
+        </p:txBody>
+      </p:sp>
+      <p:pic>
+        <p:nvPicPr>
+          <p:cNvPr id="4" name="Рисунок 3">
+            <a:extLst>
+              <a:ext uri="{FF2B5EF4-FFF2-40B4-BE49-F238E27FC236}">
+                <a16:creationId xmlns:a16="http://schemas.microsoft.com/office/drawing/2014/main" id="{ED5AFAD7-45C9-43D3-A882-918AFD02C66C}"/>
+              </a:ext>
+            </a:extLst>
+          </p:cNvPr>
+          <p:cNvPicPr>
+            <a:picLocks noChangeAspect="1"/>
+          </p:cNvPicPr>
+          <p:nvPr/>
+        </p:nvPicPr>
+        <p:blipFill>
+          <a:blip r:embed="rId3"/>
+          <a:stretch>
+            <a:fillRect/>
+          </a:stretch>
+        </p:blipFill>
+        <p:spPr>
+          <a:xfrm>
+            <a:off x="6096000" y="1944050"/>
+            <a:ext cx="5776536" cy="2037431"/>
+          </a:xfrm>
+          <a:prstGeom prst="rect">
+            <a:avLst/>
+          </a:prstGeom>
+        </p:spPr>
+      </p:pic>
+      <p:sp>
+        <p:nvSpPr>
+          <p:cNvPr id="5" name="TextBox 4">
+            <a:extLst>
+              <a:ext uri="{FF2B5EF4-FFF2-40B4-BE49-F238E27FC236}">
+                <a16:creationId xmlns:a16="http://schemas.microsoft.com/office/drawing/2014/main" id="{AA60F971-09CA-466A-93E0-2C3BA11E2B86}"/>
+              </a:ext>
+            </a:extLst>
+          </p:cNvPr>
+          <p:cNvSpPr txBox="1"/>
+          <p:nvPr/>
+        </p:nvSpPr>
+        <p:spPr>
+          <a:xfrm>
+            <a:off x="7155468" y="4330700"/>
+            <a:ext cx="3657600" cy="369332"/>
+          </a:xfrm>
+          <a:prstGeom prst="rect">
+            <a:avLst/>
+          </a:prstGeom>
+          <a:noFill/>
+        </p:spPr>
+        <p:txBody>
+          <a:bodyPr wrap="square" rtlCol="0">
+            <a:spAutoFit/>
+          </a:bodyPr>
+          <a:lstStyle/>
+          <a:p>
+            <a:r>
+              <a:rPr lang="ru-RU" dirty="0" err="1">
+                <a:latin typeface="Franklin Gothic Heavy" panose="020B0903020102020204" pitchFamily="34" charset="0"/>
+              </a:rPr>
+              <a:t>Рандомно</a:t>
+            </a:r>
+            <a:r>
+              <a:rPr lang="ru-RU" dirty="0">
+                <a:latin typeface="Franklin Gothic Heavy" panose="020B0903020102020204" pitchFamily="34" charset="0"/>
+              </a:rPr>
+              <a:t> генерируемая атака</a:t>
+            </a:r>
+          </a:p>
+        </p:txBody>
+      </p:sp>
+    </p:spTree>
+    <p:extLst>
+      <p:ext uri="{BB962C8B-B14F-4D97-AF65-F5344CB8AC3E}">
+        <p14:creationId xmlns:p14="http://schemas.microsoft.com/office/powerpoint/2010/main" val="3067887201"/>
+      </p:ext>
+    </p:extLst>
+  </p:cSld>
+  <p:clrMapOvr>
+    <a:masterClrMapping/>
+  </p:clrMapOvr>
+</p:sld>
+</file>
+
+<file path=ppt/slides/slide7.xml><?xml version="1.0" encoding="utf-8"?>
+<p:sld xmlns:a="http://schemas.openxmlformats.org/drawingml/2006/main" xmlns:r="http://schemas.openxmlformats.org/officeDocument/2006/relationships" xmlns:p="http://schemas.openxmlformats.org/presentationml/2006/main">
+  <p:cSld>
+    <p:spTree>
+      <p:nvGrpSpPr>
+        <p:cNvPr id="1" name=""/>
+        <p:cNvGrpSpPr/>
+        <p:nvPr/>
+      </p:nvGrpSpPr>
+      <p:grpSpPr>
+        <a:xfrm>
+          <a:off x="0" y="0"/>
+          <a:ext cx="0" cy="0"/>
+          <a:chOff x="0" y="0"/>
+          <a:chExt cx="0" cy="0"/>
+        </a:xfrm>
+      </p:grpSpPr>
+      <p:pic>
+        <p:nvPicPr>
+          <p:cNvPr id="2" name="Рисунок 1">
+            <a:extLst>
+              <a:ext uri="{FF2B5EF4-FFF2-40B4-BE49-F238E27FC236}">
                 <a16:creationId xmlns:a16="http://schemas.microsoft.com/office/drawing/2014/main" id="{8AF3C3E9-18C9-42DA-AF6A-48B3A5E4709D}"/>
               </a:ext>
             </a:extLst>
@@ -4876,7 +5141,7 @@
 </p:sld>
 </file>
 
-<file path=ppt/slides/slide7.xml><?xml version="1.0" encoding="utf-8"?>
+<file path=ppt/slides/slide8.xml><?xml version="1.0" encoding="utf-8"?>
 <p:sld xmlns:a="http://schemas.openxmlformats.org/drawingml/2006/main" xmlns:r="http://schemas.openxmlformats.org/officeDocument/2006/relationships" xmlns:p="http://schemas.openxmlformats.org/presentationml/2006/main">
   <p:cSld>
     <p:spTree>
